--- a/DIOP_Amadou_4_presentation_082022.pptx
+++ b/DIOP_Amadou_4_presentation_082022.pptx
@@ -26,36 +26,30 @@
     <p:sldId id="271" r:id="rId21"/>
     <p:sldId id="272" r:id="rId22"/>
     <p:sldId id="273" r:id="rId23"/>
-    <p:sldId id="274" r:id="rId24"/>
-    <p:sldId id="275" r:id="rId25"/>
-    <p:sldId id="276" r:id="rId26"/>
-    <p:sldId id="277" r:id="rId27"/>
-    <p:sldId id="278" r:id="rId28"/>
-    <p:sldId id="279" r:id="rId29"/>
   </p:sldIdLst>
   <p:sldSz cy="5143500" cx="9144000"/>
   <p:notesSz cx="6858000" cy="9144000"/>
   <p:embeddedFontLst>
     <p:embeddedFont>
       <p:font typeface="Playfair Display"/>
-      <p:regular r:id="rId30"/>
-      <p:bold r:id="rId31"/>
-      <p:italic r:id="rId32"/>
-      <p:boldItalic r:id="rId33"/>
+      <p:regular r:id="rId24"/>
+      <p:bold r:id="rId25"/>
+      <p:italic r:id="rId26"/>
+      <p:boldItalic r:id="rId27"/>
     </p:embeddedFont>
     <p:embeddedFont>
       <p:font typeface="Lato"/>
-      <p:regular r:id="rId34"/>
-      <p:bold r:id="rId35"/>
-      <p:italic r:id="rId36"/>
-      <p:boldItalic r:id="rId37"/>
+      <p:regular r:id="rId28"/>
+      <p:bold r:id="rId29"/>
+      <p:italic r:id="rId30"/>
+      <p:boldItalic r:id="rId31"/>
     </p:embeddedFont>
     <p:embeddedFont>
       <p:font typeface="Montserrat"/>
-      <p:regular r:id="rId38"/>
-      <p:bold r:id="rId39"/>
-      <p:italic r:id="rId40"/>
-      <p:boldItalic r:id="rId41"/>
+      <p:regular r:id="rId32"/>
+      <p:bold r:id="rId33"/>
+      <p:italic r:id="rId34"/>
+      <p:boldItalic r:id="rId35"/>
     </p:embeddedFont>
   </p:embeddedFontLst>
   <p:defaultTextStyle>
@@ -1147,7 +1141,7 @@
       </p:grpSpPr>
       <p:sp>
         <p:nvSpPr>
-          <p:cNvPr id="126" name="Google Shape;126;g1404fc3ce99_0_55:notes"/>
+          <p:cNvPr id="126" name="Google Shape;126;g144f5ac198a_0_2:notes"/>
           <p:cNvSpPr/>
           <p:nvPr>
             <p:ph idx="2" type="sldImg"/>
@@ -1182,7 +1176,7 @@
       </p:sp>
       <p:sp>
         <p:nvSpPr>
-          <p:cNvPr id="127" name="Google Shape;127;g1404fc3ce99_0_55:notes"/>
+          <p:cNvPr id="127" name="Google Shape;127;g144f5ac198a_0_2:notes"/>
           <p:cNvSpPr txBox="1"/>
           <p:nvPr>
             <p:ph idx="1" type="body"/>
@@ -1345,7 +1339,7 @@
       </p:grpSpPr>
       <p:sp>
         <p:nvSpPr>
-          <p:cNvPr id="138" name="Google Shape;138;g1404fc3ce99_0_61:notes"/>
+          <p:cNvPr id="138" name="Google Shape;138;g1404fc3ce99_0_85:notes"/>
           <p:cNvSpPr/>
           <p:nvPr>
             <p:ph idx="2" type="sldImg"/>
@@ -1380,7 +1374,7 @@
       </p:sp>
       <p:sp>
         <p:nvSpPr>
-          <p:cNvPr id="139" name="Google Shape;139;g1404fc3ce99_0_61:notes"/>
+          <p:cNvPr id="139" name="Google Shape;139;g1404fc3ce99_0_85:notes"/>
           <p:cNvSpPr txBox="1"/>
           <p:nvPr>
             <p:ph idx="1" type="body"/>
@@ -1444,7 +1438,7 @@
       </p:grpSpPr>
       <p:sp>
         <p:nvSpPr>
-          <p:cNvPr id="144" name="Google Shape;144;g1404fc3ce99_0_67:notes"/>
+          <p:cNvPr id="144" name="Google Shape;144;g1404fc3ce99_0_92:notes"/>
           <p:cNvSpPr/>
           <p:nvPr>
             <p:ph idx="2" type="sldImg"/>
@@ -1479,7 +1473,7 @@
       </p:sp>
       <p:sp>
         <p:nvSpPr>
-          <p:cNvPr id="145" name="Google Shape;145;g1404fc3ce99_0_67:notes"/>
+          <p:cNvPr id="145" name="Google Shape;145;g1404fc3ce99_0_92:notes"/>
           <p:cNvSpPr txBox="1"/>
           <p:nvPr>
             <p:ph idx="1" type="body"/>
@@ -1543,7 +1537,7 @@
       </p:grpSpPr>
       <p:sp>
         <p:nvSpPr>
-          <p:cNvPr id="150" name="Google Shape;150;g1404fc3ce99_0_74:notes"/>
+          <p:cNvPr id="150" name="Google Shape;150;g144f5ac198a_0_10:notes"/>
           <p:cNvSpPr/>
           <p:nvPr>
             <p:ph idx="2" type="sldImg"/>
@@ -1578,7 +1572,7 @@
       </p:sp>
       <p:sp>
         <p:nvSpPr>
-          <p:cNvPr id="151" name="Google Shape;151;g1404fc3ce99_0_74:notes"/>
+          <p:cNvPr id="151" name="Google Shape;151;g144f5ac198a_0_10:notes"/>
           <p:cNvSpPr txBox="1"/>
           <p:nvPr>
             <p:ph idx="1" type="body"/>
@@ -1642,7 +1636,7 @@
       </p:grpSpPr>
       <p:sp>
         <p:nvSpPr>
-          <p:cNvPr id="156" name="Google Shape;156;g1404fc3ce99_0_85:notes"/>
+          <p:cNvPr id="156" name="Google Shape;156;g1404fc3ce99_0_122:notes"/>
           <p:cNvSpPr/>
           <p:nvPr>
             <p:ph idx="2" type="sldImg"/>
@@ -1677,106 +1671,7 @@
       </p:sp>
       <p:sp>
         <p:nvSpPr>
-          <p:cNvPr id="157" name="Google Shape;157;g1404fc3ce99_0_85:notes"/>
-          <p:cNvSpPr txBox="1"/>
-          <p:nvPr>
-            <p:ph idx="1" type="body"/>
-          </p:nvPr>
-        </p:nvSpPr>
-        <p:spPr>
-          <a:xfrm>
-            <a:off x="685800" y="4343400"/>
-            <a:ext cx="5486400" cy="4114800"/>
-          </a:xfrm>
-          <a:prstGeom prst="rect">
-            <a:avLst/>
-          </a:prstGeom>
-        </p:spPr>
-        <p:txBody>
-          <a:bodyPr anchorCtr="0" anchor="t" bIns="91425" lIns="91425" spcFirstLastPara="1" rIns="91425" wrap="square" tIns="91425">
-            <a:noAutofit/>
-          </a:bodyPr>
-          <a:lstStyle/>
-          <a:p>
-            <a:pPr indent="0" lvl="0" marL="0" rtl="0" algn="l">
-              <a:spcBef>
-                <a:spcPts val="0"/>
-              </a:spcBef>
-              <a:spcAft>
-                <a:spcPts val="0"/>
-              </a:spcAft>
-              <a:buNone/>
-            </a:pPr>
-            <a:r>
-              <a:t/>
-            </a:r>
-            <a:endParaRPr/>
-          </a:p>
-        </p:txBody>
-      </p:sp>
-    </p:spTree>
-  </p:cSld>
-  <p:clrMapOvr>
-    <a:masterClrMapping/>
-  </p:clrMapOvr>
-</p:notes>
-</file>
-
-<file path=ppt/notesSlides/notesSlide19.xml><?xml version="1.0" encoding="utf-8"?>
-<p:notes xmlns:a="http://schemas.openxmlformats.org/drawingml/2006/main" xmlns:r="http://schemas.openxmlformats.org/officeDocument/2006/relationships" xmlns:mc="http://schemas.openxmlformats.org/markup-compatibility/2006" xmlns:mv="urn:schemas-microsoft-com:mac:vml" xmlns:p="http://schemas.openxmlformats.org/presentationml/2006/main" xmlns:c="http://schemas.openxmlformats.org/drawingml/2006/chart" xmlns:dgm="http://schemas.openxmlformats.org/drawingml/2006/diagram" xmlns:o="urn:schemas-microsoft-com:office:office" xmlns:v="urn:schemas-microsoft-com:vml" xmlns:pvml="urn:schemas-microsoft-com:office:powerpoint" xmlns:com="http://schemas.openxmlformats.org/drawingml/2006/compatibility" xmlns:p14="http://schemas.microsoft.com/office/powerpoint/2010/main" xmlns:p15="http://schemas.microsoft.com/office/powerpoint/2012/main" xmlns:ahyp="http://schemas.microsoft.com/office/drawing/2018/hyperlinkcolor" showMasterPhAnim="0" showMasterSp="0">
-  <p:cSld>
-    <p:spTree>
-      <p:nvGrpSpPr>
-        <p:cNvPr id="161" name="Shape 161"/>
-        <p:cNvGrpSpPr/>
-        <p:nvPr/>
-      </p:nvGrpSpPr>
-      <p:grpSpPr>
-        <a:xfrm>
-          <a:off x="0" y="0"/>
-          <a:ext cx="0" cy="0"/>
-          <a:chOff x="0" y="0"/>
-          <a:chExt cx="0" cy="0"/>
-        </a:xfrm>
-      </p:grpSpPr>
-      <p:sp>
-        <p:nvSpPr>
-          <p:cNvPr id="162" name="Google Shape;162;g1404fc3ce99_0_92:notes"/>
-          <p:cNvSpPr/>
-          <p:nvPr>
-            <p:ph idx="2" type="sldImg"/>
-          </p:nvPr>
-        </p:nvSpPr>
-        <p:spPr>
-          <a:xfrm>
-            <a:off x="381300" y="685800"/>
-            <a:ext cx="6096000" cy="3429000"/>
-          </a:xfrm>
-          <a:custGeom>
-            <a:rect b="b" l="l" r="r" t="t"/>
-            <a:pathLst>
-              <a:path extrusionOk="0" h="120000" w="120000">
-                <a:moveTo>
-                  <a:pt x="0" y="0"/>
-                </a:moveTo>
-                <a:lnTo>
-                  <a:pt x="120000" y="0"/>
-                </a:lnTo>
-                <a:lnTo>
-                  <a:pt x="120000" y="120000"/>
-                </a:lnTo>
-                <a:lnTo>
-                  <a:pt x="0" y="120000"/>
-                </a:lnTo>
-                <a:close/>
-              </a:path>
-            </a:pathLst>
-          </a:custGeom>
-        </p:spPr>
-      </p:sp>
-      <p:sp>
-        <p:nvSpPr>
-          <p:cNvPr id="163" name="Google Shape;163;g1404fc3ce99_0_92:notes"/>
+          <p:cNvPr id="157" name="Google Shape;157;g1404fc3ce99_0_122:notes"/>
           <p:cNvSpPr txBox="1"/>
           <p:nvPr>
             <p:ph idx="1" type="body"/>
@@ -1876,501 +1771,6 @@
       <p:sp>
         <p:nvSpPr>
           <p:cNvPr id="62" name="Google Shape;62;g130800d1523_0_124:notes"/>
-          <p:cNvSpPr txBox="1"/>
-          <p:nvPr>
-            <p:ph idx="1" type="body"/>
-          </p:nvPr>
-        </p:nvSpPr>
-        <p:spPr>
-          <a:xfrm>
-            <a:off x="685800" y="4343400"/>
-            <a:ext cx="5486400" cy="4114800"/>
-          </a:xfrm>
-          <a:prstGeom prst="rect">
-            <a:avLst/>
-          </a:prstGeom>
-        </p:spPr>
-        <p:txBody>
-          <a:bodyPr anchorCtr="0" anchor="t" bIns="91425" lIns="91425" spcFirstLastPara="1" rIns="91425" wrap="square" tIns="91425">
-            <a:noAutofit/>
-          </a:bodyPr>
-          <a:lstStyle/>
-          <a:p>
-            <a:pPr indent="0" lvl="0" marL="0" rtl="0" algn="l">
-              <a:spcBef>
-                <a:spcPts val="0"/>
-              </a:spcBef>
-              <a:spcAft>
-                <a:spcPts val="0"/>
-              </a:spcAft>
-              <a:buNone/>
-            </a:pPr>
-            <a:r>
-              <a:t/>
-            </a:r>
-            <a:endParaRPr/>
-          </a:p>
-        </p:txBody>
-      </p:sp>
-    </p:spTree>
-  </p:cSld>
-  <p:clrMapOvr>
-    <a:masterClrMapping/>
-  </p:clrMapOvr>
-</p:notes>
-</file>
-
-<file path=ppt/notesSlides/notesSlide20.xml><?xml version="1.0" encoding="utf-8"?>
-<p:notes xmlns:a="http://schemas.openxmlformats.org/drawingml/2006/main" xmlns:r="http://schemas.openxmlformats.org/officeDocument/2006/relationships" xmlns:mc="http://schemas.openxmlformats.org/markup-compatibility/2006" xmlns:mv="urn:schemas-microsoft-com:mac:vml" xmlns:p="http://schemas.openxmlformats.org/presentationml/2006/main" xmlns:c="http://schemas.openxmlformats.org/drawingml/2006/chart" xmlns:dgm="http://schemas.openxmlformats.org/drawingml/2006/diagram" xmlns:o="urn:schemas-microsoft-com:office:office" xmlns:v="urn:schemas-microsoft-com:vml" xmlns:pvml="urn:schemas-microsoft-com:office:powerpoint" xmlns:com="http://schemas.openxmlformats.org/drawingml/2006/compatibility" xmlns:p14="http://schemas.microsoft.com/office/powerpoint/2010/main" xmlns:p15="http://schemas.microsoft.com/office/powerpoint/2012/main" xmlns:ahyp="http://schemas.microsoft.com/office/drawing/2018/hyperlinkcolor" showMasterPhAnim="0" showMasterSp="0">
-  <p:cSld>
-    <p:spTree>
-      <p:nvGrpSpPr>
-        <p:cNvPr id="167" name="Shape 167"/>
-        <p:cNvGrpSpPr/>
-        <p:nvPr/>
-      </p:nvGrpSpPr>
-      <p:grpSpPr>
-        <a:xfrm>
-          <a:off x="0" y="0"/>
-          <a:ext cx="0" cy="0"/>
-          <a:chOff x="0" y="0"/>
-          <a:chExt cx="0" cy="0"/>
-        </a:xfrm>
-      </p:grpSpPr>
-      <p:sp>
-        <p:nvSpPr>
-          <p:cNvPr id="168" name="Google Shape;168;g1404fc3ce99_0_98:notes"/>
-          <p:cNvSpPr/>
-          <p:nvPr>
-            <p:ph idx="2" type="sldImg"/>
-          </p:nvPr>
-        </p:nvSpPr>
-        <p:spPr>
-          <a:xfrm>
-            <a:off x="381300" y="685800"/>
-            <a:ext cx="6096000" cy="3429000"/>
-          </a:xfrm>
-          <a:custGeom>
-            <a:rect b="b" l="l" r="r" t="t"/>
-            <a:pathLst>
-              <a:path extrusionOk="0" h="120000" w="120000">
-                <a:moveTo>
-                  <a:pt x="0" y="0"/>
-                </a:moveTo>
-                <a:lnTo>
-                  <a:pt x="120000" y="0"/>
-                </a:lnTo>
-                <a:lnTo>
-                  <a:pt x="120000" y="120000"/>
-                </a:lnTo>
-                <a:lnTo>
-                  <a:pt x="0" y="120000"/>
-                </a:lnTo>
-                <a:close/>
-              </a:path>
-            </a:pathLst>
-          </a:custGeom>
-        </p:spPr>
-      </p:sp>
-      <p:sp>
-        <p:nvSpPr>
-          <p:cNvPr id="169" name="Google Shape;169;g1404fc3ce99_0_98:notes"/>
-          <p:cNvSpPr txBox="1"/>
-          <p:nvPr>
-            <p:ph idx="1" type="body"/>
-          </p:nvPr>
-        </p:nvSpPr>
-        <p:spPr>
-          <a:xfrm>
-            <a:off x="685800" y="4343400"/>
-            <a:ext cx="5486400" cy="4114800"/>
-          </a:xfrm>
-          <a:prstGeom prst="rect">
-            <a:avLst/>
-          </a:prstGeom>
-        </p:spPr>
-        <p:txBody>
-          <a:bodyPr anchorCtr="0" anchor="t" bIns="91425" lIns="91425" spcFirstLastPara="1" rIns="91425" wrap="square" tIns="91425">
-            <a:noAutofit/>
-          </a:bodyPr>
-          <a:lstStyle/>
-          <a:p>
-            <a:pPr indent="0" lvl="0" marL="0" rtl="0" algn="l">
-              <a:spcBef>
-                <a:spcPts val="0"/>
-              </a:spcBef>
-              <a:spcAft>
-                <a:spcPts val="0"/>
-              </a:spcAft>
-              <a:buNone/>
-            </a:pPr>
-            <a:r>
-              <a:t/>
-            </a:r>
-            <a:endParaRPr/>
-          </a:p>
-        </p:txBody>
-      </p:sp>
-    </p:spTree>
-  </p:cSld>
-  <p:clrMapOvr>
-    <a:masterClrMapping/>
-  </p:clrMapOvr>
-</p:notes>
-</file>
-
-<file path=ppt/notesSlides/notesSlide21.xml><?xml version="1.0" encoding="utf-8"?>
-<p:notes xmlns:a="http://schemas.openxmlformats.org/drawingml/2006/main" xmlns:r="http://schemas.openxmlformats.org/officeDocument/2006/relationships" xmlns:mc="http://schemas.openxmlformats.org/markup-compatibility/2006" xmlns:mv="urn:schemas-microsoft-com:mac:vml" xmlns:p="http://schemas.openxmlformats.org/presentationml/2006/main" xmlns:c="http://schemas.openxmlformats.org/drawingml/2006/chart" xmlns:dgm="http://schemas.openxmlformats.org/drawingml/2006/diagram" xmlns:o="urn:schemas-microsoft-com:office:office" xmlns:v="urn:schemas-microsoft-com:vml" xmlns:pvml="urn:schemas-microsoft-com:office:powerpoint" xmlns:com="http://schemas.openxmlformats.org/drawingml/2006/compatibility" xmlns:p14="http://schemas.microsoft.com/office/powerpoint/2010/main" xmlns:p15="http://schemas.microsoft.com/office/powerpoint/2012/main" xmlns:ahyp="http://schemas.microsoft.com/office/drawing/2018/hyperlinkcolor" showMasterPhAnim="0" showMasterSp="0">
-  <p:cSld>
-    <p:spTree>
-      <p:nvGrpSpPr>
-        <p:cNvPr id="173" name="Shape 173"/>
-        <p:cNvGrpSpPr/>
-        <p:nvPr/>
-      </p:nvGrpSpPr>
-      <p:grpSpPr>
-        <a:xfrm>
-          <a:off x="0" y="0"/>
-          <a:ext cx="0" cy="0"/>
-          <a:chOff x="0" y="0"/>
-          <a:chExt cx="0" cy="0"/>
-        </a:xfrm>
-      </p:grpSpPr>
-      <p:sp>
-        <p:nvSpPr>
-          <p:cNvPr id="174" name="Google Shape;174;g1404fc3ce99_0_104:notes"/>
-          <p:cNvSpPr/>
-          <p:nvPr>
-            <p:ph idx="2" type="sldImg"/>
-          </p:nvPr>
-        </p:nvSpPr>
-        <p:spPr>
-          <a:xfrm>
-            <a:off x="381300" y="685800"/>
-            <a:ext cx="6096000" cy="3429000"/>
-          </a:xfrm>
-          <a:custGeom>
-            <a:rect b="b" l="l" r="r" t="t"/>
-            <a:pathLst>
-              <a:path extrusionOk="0" h="120000" w="120000">
-                <a:moveTo>
-                  <a:pt x="0" y="0"/>
-                </a:moveTo>
-                <a:lnTo>
-                  <a:pt x="120000" y="0"/>
-                </a:lnTo>
-                <a:lnTo>
-                  <a:pt x="120000" y="120000"/>
-                </a:lnTo>
-                <a:lnTo>
-                  <a:pt x="0" y="120000"/>
-                </a:lnTo>
-                <a:close/>
-              </a:path>
-            </a:pathLst>
-          </a:custGeom>
-        </p:spPr>
-      </p:sp>
-      <p:sp>
-        <p:nvSpPr>
-          <p:cNvPr id="175" name="Google Shape;175;g1404fc3ce99_0_104:notes"/>
-          <p:cNvSpPr txBox="1"/>
-          <p:nvPr>
-            <p:ph idx="1" type="body"/>
-          </p:nvPr>
-        </p:nvSpPr>
-        <p:spPr>
-          <a:xfrm>
-            <a:off x="685800" y="4343400"/>
-            <a:ext cx="5486400" cy="4114800"/>
-          </a:xfrm>
-          <a:prstGeom prst="rect">
-            <a:avLst/>
-          </a:prstGeom>
-        </p:spPr>
-        <p:txBody>
-          <a:bodyPr anchorCtr="0" anchor="t" bIns="91425" lIns="91425" spcFirstLastPara="1" rIns="91425" wrap="square" tIns="91425">
-            <a:noAutofit/>
-          </a:bodyPr>
-          <a:lstStyle/>
-          <a:p>
-            <a:pPr indent="0" lvl="0" marL="0" rtl="0" algn="l">
-              <a:spcBef>
-                <a:spcPts val="0"/>
-              </a:spcBef>
-              <a:spcAft>
-                <a:spcPts val="0"/>
-              </a:spcAft>
-              <a:buNone/>
-            </a:pPr>
-            <a:r>
-              <a:t/>
-            </a:r>
-            <a:endParaRPr/>
-          </a:p>
-        </p:txBody>
-      </p:sp>
-    </p:spTree>
-  </p:cSld>
-  <p:clrMapOvr>
-    <a:masterClrMapping/>
-  </p:clrMapOvr>
-</p:notes>
-</file>
-
-<file path=ppt/notesSlides/notesSlide22.xml><?xml version="1.0" encoding="utf-8"?>
-<p:notes xmlns:a="http://schemas.openxmlformats.org/drawingml/2006/main" xmlns:r="http://schemas.openxmlformats.org/officeDocument/2006/relationships" xmlns:mc="http://schemas.openxmlformats.org/markup-compatibility/2006" xmlns:mv="urn:schemas-microsoft-com:mac:vml" xmlns:p="http://schemas.openxmlformats.org/presentationml/2006/main" xmlns:c="http://schemas.openxmlformats.org/drawingml/2006/chart" xmlns:dgm="http://schemas.openxmlformats.org/drawingml/2006/diagram" xmlns:o="urn:schemas-microsoft-com:office:office" xmlns:v="urn:schemas-microsoft-com:vml" xmlns:pvml="urn:schemas-microsoft-com:office:powerpoint" xmlns:com="http://schemas.openxmlformats.org/drawingml/2006/compatibility" xmlns:p14="http://schemas.microsoft.com/office/powerpoint/2010/main" xmlns:p15="http://schemas.microsoft.com/office/powerpoint/2012/main" xmlns:ahyp="http://schemas.microsoft.com/office/drawing/2018/hyperlinkcolor" showMasterPhAnim="0" showMasterSp="0">
-  <p:cSld>
-    <p:spTree>
-      <p:nvGrpSpPr>
-        <p:cNvPr id="179" name="Shape 179"/>
-        <p:cNvGrpSpPr/>
-        <p:nvPr/>
-      </p:nvGrpSpPr>
-      <p:grpSpPr>
-        <a:xfrm>
-          <a:off x="0" y="0"/>
-          <a:ext cx="0" cy="0"/>
-          <a:chOff x="0" y="0"/>
-          <a:chExt cx="0" cy="0"/>
-        </a:xfrm>
-      </p:grpSpPr>
-      <p:sp>
-        <p:nvSpPr>
-          <p:cNvPr id="180" name="Google Shape;180;g1404fc3ce99_0_110:notes"/>
-          <p:cNvSpPr/>
-          <p:nvPr>
-            <p:ph idx="2" type="sldImg"/>
-          </p:nvPr>
-        </p:nvSpPr>
-        <p:spPr>
-          <a:xfrm>
-            <a:off x="381300" y="685800"/>
-            <a:ext cx="6096000" cy="3429000"/>
-          </a:xfrm>
-          <a:custGeom>
-            <a:rect b="b" l="l" r="r" t="t"/>
-            <a:pathLst>
-              <a:path extrusionOk="0" h="120000" w="120000">
-                <a:moveTo>
-                  <a:pt x="0" y="0"/>
-                </a:moveTo>
-                <a:lnTo>
-                  <a:pt x="120000" y="0"/>
-                </a:lnTo>
-                <a:lnTo>
-                  <a:pt x="120000" y="120000"/>
-                </a:lnTo>
-                <a:lnTo>
-                  <a:pt x="0" y="120000"/>
-                </a:lnTo>
-                <a:close/>
-              </a:path>
-            </a:pathLst>
-          </a:custGeom>
-        </p:spPr>
-      </p:sp>
-      <p:sp>
-        <p:nvSpPr>
-          <p:cNvPr id="181" name="Google Shape;181;g1404fc3ce99_0_110:notes"/>
-          <p:cNvSpPr txBox="1"/>
-          <p:nvPr>
-            <p:ph idx="1" type="body"/>
-          </p:nvPr>
-        </p:nvSpPr>
-        <p:spPr>
-          <a:xfrm>
-            <a:off x="685800" y="4343400"/>
-            <a:ext cx="5486400" cy="4114800"/>
-          </a:xfrm>
-          <a:prstGeom prst="rect">
-            <a:avLst/>
-          </a:prstGeom>
-        </p:spPr>
-        <p:txBody>
-          <a:bodyPr anchorCtr="0" anchor="t" bIns="91425" lIns="91425" spcFirstLastPara="1" rIns="91425" wrap="square" tIns="91425">
-            <a:noAutofit/>
-          </a:bodyPr>
-          <a:lstStyle/>
-          <a:p>
-            <a:pPr indent="0" lvl="0" marL="0" rtl="0" algn="l">
-              <a:spcBef>
-                <a:spcPts val="0"/>
-              </a:spcBef>
-              <a:spcAft>
-                <a:spcPts val="0"/>
-              </a:spcAft>
-              <a:buNone/>
-            </a:pPr>
-            <a:r>
-              <a:t/>
-            </a:r>
-            <a:endParaRPr/>
-          </a:p>
-        </p:txBody>
-      </p:sp>
-    </p:spTree>
-  </p:cSld>
-  <p:clrMapOvr>
-    <a:masterClrMapping/>
-  </p:clrMapOvr>
-</p:notes>
-</file>
-
-<file path=ppt/notesSlides/notesSlide23.xml><?xml version="1.0" encoding="utf-8"?>
-<p:notes xmlns:a="http://schemas.openxmlformats.org/drawingml/2006/main" xmlns:r="http://schemas.openxmlformats.org/officeDocument/2006/relationships" xmlns:mc="http://schemas.openxmlformats.org/markup-compatibility/2006" xmlns:mv="urn:schemas-microsoft-com:mac:vml" xmlns:p="http://schemas.openxmlformats.org/presentationml/2006/main" xmlns:c="http://schemas.openxmlformats.org/drawingml/2006/chart" xmlns:dgm="http://schemas.openxmlformats.org/drawingml/2006/diagram" xmlns:o="urn:schemas-microsoft-com:office:office" xmlns:v="urn:schemas-microsoft-com:vml" xmlns:pvml="urn:schemas-microsoft-com:office:powerpoint" xmlns:com="http://schemas.openxmlformats.org/drawingml/2006/compatibility" xmlns:p14="http://schemas.microsoft.com/office/powerpoint/2010/main" xmlns:p15="http://schemas.microsoft.com/office/powerpoint/2012/main" xmlns:ahyp="http://schemas.microsoft.com/office/drawing/2018/hyperlinkcolor" showMasterPhAnim="0" showMasterSp="0">
-  <p:cSld>
-    <p:spTree>
-      <p:nvGrpSpPr>
-        <p:cNvPr id="185" name="Shape 185"/>
-        <p:cNvGrpSpPr/>
-        <p:nvPr/>
-      </p:nvGrpSpPr>
-      <p:grpSpPr>
-        <a:xfrm>
-          <a:off x="0" y="0"/>
-          <a:ext cx="0" cy="0"/>
-          <a:chOff x="0" y="0"/>
-          <a:chExt cx="0" cy="0"/>
-        </a:xfrm>
-      </p:grpSpPr>
-      <p:sp>
-        <p:nvSpPr>
-          <p:cNvPr id="186" name="Google Shape;186;g1404fc3ce99_0_116:notes"/>
-          <p:cNvSpPr/>
-          <p:nvPr>
-            <p:ph idx="2" type="sldImg"/>
-          </p:nvPr>
-        </p:nvSpPr>
-        <p:spPr>
-          <a:xfrm>
-            <a:off x="381300" y="685800"/>
-            <a:ext cx="6096000" cy="3429000"/>
-          </a:xfrm>
-          <a:custGeom>
-            <a:rect b="b" l="l" r="r" t="t"/>
-            <a:pathLst>
-              <a:path extrusionOk="0" h="120000" w="120000">
-                <a:moveTo>
-                  <a:pt x="0" y="0"/>
-                </a:moveTo>
-                <a:lnTo>
-                  <a:pt x="120000" y="0"/>
-                </a:lnTo>
-                <a:lnTo>
-                  <a:pt x="120000" y="120000"/>
-                </a:lnTo>
-                <a:lnTo>
-                  <a:pt x="0" y="120000"/>
-                </a:lnTo>
-                <a:close/>
-              </a:path>
-            </a:pathLst>
-          </a:custGeom>
-        </p:spPr>
-      </p:sp>
-      <p:sp>
-        <p:nvSpPr>
-          <p:cNvPr id="187" name="Google Shape;187;g1404fc3ce99_0_116:notes"/>
-          <p:cNvSpPr txBox="1"/>
-          <p:nvPr>
-            <p:ph idx="1" type="body"/>
-          </p:nvPr>
-        </p:nvSpPr>
-        <p:spPr>
-          <a:xfrm>
-            <a:off x="685800" y="4343400"/>
-            <a:ext cx="5486400" cy="4114800"/>
-          </a:xfrm>
-          <a:prstGeom prst="rect">
-            <a:avLst/>
-          </a:prstGeom>
-        </p:spPr>
-        <p:txBody>
-          <a:bodyPr anchorCtr="0" anchor="t" bIns="91425" lIns="91425" spcFirstLastPara="1" rIns="91425" wrap="square" tIns="91425">
-            <a:noAutofit/>
-          </a:bodyPr>
-          <a:lstStyle/>
-          <a:p>
-            <a:pPr indent="0" lvl="0" marL="0" rtl="0" algn="l">
-              <a:spcBef>
-                <a:spcPts val="0"/>
-              </a:spcBef>
-              <a:spcAft>
-                <a:spcPts val="0"/>
-              </a:spcAft>
-              <a:buNone/>
-            </a:pPr>
-            <a:r>
-              <a:t/>
-            </a:r>
-            <a:endParaRPr/>
-          </a:p>
-        </p:txBody>
-      </p:sp>
-    </p:spTree>
-  </p:cSld>
-  <p:clrMapOvr>
-    <a:masterClrMapping/>
-  </p:clrMapOvr>
-</p:notes>
-</file>
-
-<file path=ppt/notesSlides/notesSlide24.xml><?xml version="1.0" encoding="utf-8"?>
-<p:notes xmlns:a="http://schemas.openxmlformats.org/drawingml/2006/main" xmlns:r="http://schemas.openxmlformats.org/officeDocument/2006/relationships" xmlns:mc="http://schemas.openxmlformats.org/markup-compatibility/2006" xmlns:mv="urn:schemas-microsoft-com:mac:vml" xmlns:p="http://schemas.openxmlformats.org/presentationml/2006/main" xmlns:c="http://schemas.openxmlformats.org/drawingml/2006/chart" xmlns:dgm="http://schemas.openxmlformats.org/drawingml/2006/diagram" xmlns:o="urn:schemas-microsoft-com:office:office" xmlns:v="urn:schemas-microsoft-com:vml" xmlns:pvml="urn:schemas-microsoft-com:office:powerpoint" xmlns:com="http://schemas.openxmlformats.org/drawingml/2006/compatibility" xmlns:p14="http://schemas.microsoft.com/office/powerpoint/2010/main" xmlns:p15="http://schemas.microsoft.com/office/powerpoint/2012/main" xmlns:ahyp="http://schemas.microsoft.com/office/drawing/2018/hyperlinkcolor" showMasterPhAnim="0" showMasterSp="0">
-  <p:cSld>
-    <p:spTree>
-      <p:nvGrpSpPr>
-        <p:cNvPr id="191" name="Shape 191"/>
-        <p:cNvGrpSpPr/>
-        <p:nvPr/>
-      </p:nvGrpSpPr>
-      <p:grpSpPr>
-        <a:xfrm>
-          <a:off x="0" y="0"/>
-          <a:ext cx="0" cy="0"/>
-          <a:chOff x="0" y="0"/>
-          <a:chExt cx="0" cy="0"/>
-        </a:xfrm>
-      </p:grpSpPr>
-      <p:sp>
-        <p:nvSpPr>
-          <p:cNvPr id="192" name="Google Shape;192;g1404fc3ce99_0_122:notes"/>
-          <p:cNvSpPr/>
-          <p:nvPr>
-            <p:ph idx="2" type="sldImg"/>
-          </p:nvPr>
-        </p:nvSpPr>
-        <p:spPr>
-          <a:xfrm>
-            <a:off x="381300" y="685800"/>
-            <a:ext cx="6096000" cy="3429000"/>
-          </a:xfrm>
-          <a:custGeom>
-            <a:rect b="b" l="l" r="r" t="t"/>
-            <a:pathLst>
-              <a:path extrusionOk="0" h="120000" w="120000">
-                <a:moveTo>
-                  <a:pt x="0" y="0"/>
-                </a:moveTo>
-                <a:lnTo>
-                  <a:pt x="120000" y="0"/>
-                </a:lnTo>
-                <a:lnTo>
-                  <a:pt x="120000" y="120000"/>
-                </a:lnTo>
-                <a:lnTo>
-                  <a:pt x="0" y="120000"/>
-                </a:lnTo>
-                <a:close/>
-              </a:path>
-            </a:pathLst>
-          </a:custGeom>
-        </p:spPr>
-      </p:sp>
-      <p:sp>
-        <p:nvSpPr>
-          <p:cNvPr id="193" name="Google Shape;193;g1404fc3ce99_0_122:notes"/>
           <p:cNvSpPr txBox="1"/>
           <p:nvPr>
             <p:ph idx="1" type="body"/>
@@ -9059,7 +8459,24 @@
             </a:pPr>
             <a:r>
               <a:rPr lang="fr"/>
-              <a:t>variable age avec yearbuilt</a:t>
+              <a:t>age avec yearbuilt</a:t>
+            </a:r>
+            <a:endParaRPr/>
+          </a:p>
+          <a:p>
+            <a:pPr indent="-342900" lvl="0" marL="457200" rtl="0" algn="l">
+              <a:spcBef>
+                <a:spcPts val="0"/>
+              </a:spcBef>
+              <a:spcAft>
+                <a:spcPts val="0"/>
+              </a:spcAft>
+              <a:buSzPts val="1800"/>
+              <a:buChar char="-"/>
+            </a:pPr>
+            <a:r>
+              <a:rPr lang="fr"/>
+              <a:t>natural_gas_percentage,electricity_percentage, distance_from_seattle_center</a:t>
             </a:r>
             <a:endParaRPr/>
           </a:p>
@@ -9277,8 +8694,8 @@
         </p:blipFill>
         <p:spPr>
           <a:xfrm>
-            <a:off x="0" y="659625"/>
-            <a:ext cx="9144001" cy="4133725"/>
+            <a:off x="152400" y="659625"/>
+            <a:ext cx="8842700" cy="3856025"/>
           </a:xfrm>
           <a:prstGeom prst="rect">
             <a:avLst/>
@@ -9324,8 +8741,8 @@
         </p:nvSpPr>
         <p:spPr>
           <a:xfrm>
-            <a:off x="311700" y="84525"/>
-            <a:ext cx="8520600" cy="434700"/>
+            <a:off x="311700" y="72450"/>
+            <a:ext cx="8520600" cy="374400"/>
           </a:xfrm>
           <a:prstGeom prst="rect">
             <a:avLst/>
@@ -9344,11 +8761,46 @@
               <a:spcAft>
                 <a:spcPts val="0"/>
               </a:spcAft>
+              <a:buClr>
+                <a:srgbClr val="000000"/>
+              </a:buClr>
+              <a:buSzPct val="58928"/>
+              <a:buFont typeface="Arial"/>
               <a:buNone/>
             </a:pPr>
             <a:r>
               <a:rPr lang="fr" sz="1679"/>
-              <a:t>3 -Prédiction emission CO2: sans energystarscore</a:t>
+              <a:t>3 -Prédiction emission CO2: avec energystarscore</a:t>
+            </a:r>
+            <a:endParaRPr sz="1679"/>
+          </a:p>
+          <a:p>
+            <a:pPr indent="0" lvl="0" marL="0" rtl="0" algn="l">
+              <a:spcBef>
+                <a:spcPts val="0"/>
+              </a:spcBef>
+              <a:spcAft>
+                <a:spcPts val="0"/>
+              </a:spcAft>
+              <a:buNone/>
+            </a:pPr>
+            <a:r>
+              <a:t/>
+            </a:r>
+            <a:endParaRPr/>
+          </a:p>
+          <a:p>
+            <a:pPr indent="0" lvl="0" marL="0" rtl="0" algn="l">
+              <a:spcBef>
+                <a:spcPts val="0"/>
+              </a:spcBef>
+              <a:spcAft>
+                <a:spcPts val="0"/>
+              </a:spcAft>
+              <a:buNone/>
+            </a:pPr>
+            <a:r>
+              <a:t/>
             </a:r>
             <a:endParaRPr/>
           </a:p>
@@ -9370,8 +8822,8 @@
         </p:blipFill>
         <p:spPr>
           <a:xfrm>
-            <a:off x="152400" y="671625"/>
-            <a:ext cx="8520600" cy="3819875"/>
+            <a:off x="152400" y="599250"/>
+            <a:ext cx="8878900" cy="3191975"/>
           </a:xfrm>
           <a:prstGeom prst="rect">
             <a:avLst/>
@@ -9456,6 +8908,21 @@
               <a:buNone/>
             </a:pPr>
             <a:r>
+              <a:t/>
+            </a:r>
+            <a:endParaRPr sz="1679"/>
+          </a:p>
+          <a:p>
+            <a:pPr indent="0" lvl="0" marL="0" rtl="0" algn="l">
+              <a:spcBef>
+                <a:spcPts val="0"/>
+              </a:spcBef>
+              <a:spcAft>
+                <a:spcPts val="0"/>
+              </a:spcAft>
+              <a:buNone/>
+            </a:pPr>
+            <a:r>
               <a:rPr b="0" lang="fr" sz="1800">
                 <a:solidFill>
                   <a:schemeClr val="dk2"/>
@@ -9465,7 +8932,7 @@
                 <a:cs typeface="Lato"/>
                 <a:sym typeface="Lato"/>
               </a:rPr>
-              <a:t>lasso R2=0.94  alpha=0.02 , energystarscore moindre</a:t>
+              <a:t>lasso R2=0.48  alpha=0.05 , energystarscore moindre</a:t>
             </a:r>
             <a:endParaRPr/>
           </a:p>
@@ -9487,8 +8954,8 @@
         </p:blipFill>
         <p:spPr>
           <a:xfrm>
-            <a:off x="152400" y="707850"/>
-            <a:ext cx="8839201" cy="3844025"/>
+            <a:off x="152400" y="1340200"/>
+            <a:ext cx="8839201" cy="2970200"/>
           </a:xfrm>
           <a:prstGeom prst="rect">
             <a:avLst/>
@@ -9534,8 +9001,8 @@
         </p:nvSpPr>
         <p:spPr>
           <a:xfrm>
-            <a:off x="311700" y="72450"/>
-            <a:ext cx="8520600" cy="386400"/>
+            <a:off x="311700" y="48300"/>
+            <a:ext cx="8520600" cy="446700"/>
           </a:xfrm>
           <a:prstGeom prst="rect">
             <a:avLst/>
@@ -9554,28 +9021,14 @@
               <a:spcAft>
                 <a:spcPts val="0"/>
               </a:spcAft>
+              <a:buSzPct val="50000"/>
               <a:buNone/>
             </a:pPr>
             <a:r>
-              <a:rPr lang="fr" sz="1679"/>
-              <a:t>3 -Prédiction emission CO2: sans energystarscore</a:t>
+              <a:rPr lang="fr" sz="1979"/>
+              <a:t>4 -Prédiction consommation énergie</a:t>
             </a:r>
-            <a:endParaRPr/>
-          </a:p>
-          <a:p>
-            <a:pPr indent="0" lvl="0" marL="0" rtl="0" algn="l">
-              <a:spcBef>
-                <a:spcPts val="0"/>
-              </a:spcBef>
-              <a:spcAft>
-                <a:spcPts val="0"/>
-              </a:spcAft>
-              <a:buNone/>
-            </a:pPr>
-            <a:r>
-              <a:t/>
-            </a:r>
-            <a:endParaRPr/>
+            <a:endParaRPr sz="1979"/>
           </a:p>
         </p:txBody>
       </p:sp>
@@ -9595,8 +9048,8 @@
         </p:blipFill>
         <p:spPr>
           <a:xfrm>
-            <a:off x="152400" y="458850"/>
-            <a:ext cx="8839199" cy="4343249"/>
+            <a:off x="152400" y="647400"/>
+            <a:ext cx="8679900" cy="4343700"/>
           </a:xfrm>
           <a:prstGeom prst="rect">
             <a:avLst/>
@@ -9642,8 +9095,8 @@
         </p:nvSpPr>
         <p:spPr>
           <a:xfrm>
-            <a:off x="311700" y="72450"/>
-            <a:ext cx="8520600" cy="386400"/>
+            <a:off x="311700" y="60375"/>
+            <a:ext cx="8520600" cy="471000"/>
           </a:xfrm>
           <a:prstGeom prst="rect">
             <a:avLst/>
@@ -9662,28 +9115,18 @@
               <a:spcAft>
                 <a:spcPts val="0"/>
               </a:spcAft>
+              <a:buClr>
+                <a:srgbClr val="000000"/>
+              </a:buClr>
+              <a:buSzPct val="50000"/>
+              <a:buFont typeface="Arial"/>
               <a:buNone/>
             </a:pPr>
             <a:r>
-              <a:rPr lang="fr" sz="1679"/>
-              <a:t>3 -Prédiction emission CO2: avec  energystarscore</a:t>
+              <a:rPr lang="fr" sz="1979"/>
+              <a:t>4 -Prédiction consommation énergie</a:t>
             </a:r>
-            <a:endParaRPr/>
-          </a:p>
-          <a:p>
-            <a:pPr indent="0" lvl="0" marL="0" rtl="0" algn="l">
-              <a:spcBef>
-                <a:spcPts val="0"/>
-              </a:spcBef>
-              <a:spcAft>
-                <a:spcPts val="0"/>
-              </a:spcAft>
-              <a:buNone/>
-            </a:pPr>
-            <a:r>
-              <a:t/>
-            </a:r>
-            <a:endParaRPr/>
+            <a:endParaRPr sz="1979"/>
           </a:p>
           <a:p>
             <a:pPr indent="0" lvl="0" marL="0" rtl="0" algn="l">
@@ -9718,8 +9161,8 @@
         </p:blipFill>
         <p:spPr>
           <a:xfrm>
-            <a:off x="152400" y="611250"/>
-            <a:ext cx="8906850" cy="3964775"/>
+            <a:off x="152400" y="683775"/>
+            <a:ext cx="8679899" cy="2769375"/>
           </a:xfrm>
           <a:prstGeom prst="rect">
             <a:avLst/>
@@ -9765,8 +9208,8 @@
         </p:nvSpPr>
         <p:spPr>
           <a:xfrm>
-            <a:off x="311700" y="48300"/>
-            <a:ext cx="8520600" cy="434700"/>
+            <a:off x="311700" y="96600"/>
+            <a:ext cx="8520600" cy="471000"/>
           </a:xfrm>
           <a:prstGeom prst="rect">
             <a:avLst/>
@@ -9788,10 +9231,10 @@
               <a:buNone/>
             </a:pPr>
             <a:r>
-              <a:rPr lang="fr" sz="1679"/>
-              <a:t>3 -Prédiction emission CO2: avec  energystarscore</a:t>
+              <a:rPr lang="fr" sz="1979"/>
+              <a:t>4 -Prédiction consommation énergie: conclusion</a:t>
             </a:r>
-            <a:endParaRPr/>
+            <a:endParaRPr sz="1979"/>
           </a:p>
           <a:p>
             <a:pPr indent="0" lvl="0" marL="0" rtl="0" algn="l">
@@ -9801,42 +9244,26 @@
               <a:spcAft>
                 <a:spcPts val="0"/>
               </a:spcAft>
+              <a:buClr>
+                <a:srgbClr val="000000"/>
+              </a:buClr>
+              <a:buSzPct val="50000"/>
+              <a:buFont typeface="Arial"/>
               <a:buNone/>
             </a:pPr>
             <a:r>
-              <a:t/>
+              <a:rPr lang="fr" sz="1979">
+                <a:solidFill>
+                  <a:schemeClr val="accent1"/>
+                </a:solidFill>
+              </a:rPr>
+              <a:t> LinearRegression</a:t>
             </a:r>
-            <a:endParaRPr/>
-          </a:p>
-          <a:p>
-            <a:pPr indent="0" lvl="0" marL="0" rtl="0" algn="l">
-              <a:spcBef>
-                <a:spcPts val="0"/>
-              </a:spcBef>
-              <a:spcAft>
-                <a:spcPts val="0"/>
-              </a:spcAft>
-              <a:buNone/>
-            </a:pPr>
-            <a:r>
-              <a:t/>
-            </a:r>
-            <a:endParaRPr/>
-          </a:p>
-          <a:p>
-            <a:pPr indent="0" lvl="0" marL="0" rtl="0" algn="l">
-              <a:spcBef>
-                <a:spcPts val="0"/>
-              </a:spcBef>
-              <a:spcAft>
-                <a:spcPts val="0"/>
-              </a:spcAft>
-              <a:buNone/>
-            </a:pPr>
-            <a:r>
-              <a:t/>
-            </a:r>
-            <a:endParaRPr/>
+            <a:endParaRPr sz="1979">
+              <a:solidFill>
+                <a:schemeClr val="accent1"/>
+              </a:solidFill>
+            </a:endParaRPr>
           </a:p>
         </p:txBody>
       </p:sp>
@@ -9856,8 +9283,8 @@
         </p:blipFill>
         <p:spPr>
           <a:xfrm>
-            <a:off x="152400" y="483000"/>
-            <a:ext cx="8839199" cy="4343249"/>
+            <a:off x="152400" y="720000"/>
+            <a:ext cx="8839201" cy="3517950"/>
           </a:xfrm>
           <a:prstGeom prst="rect">
             <a:avLst/>
@@ -9903,8 +9330,8 @@
         </p:nvSpPr>
         <p:spPr>
           <a:xfrm>
-            <a:off x="311700" y="48300"/>
-            <a:ext cx="8520600" cy="446700"/>
+            <a:off x="311700" y="391350"/>
+            <a:ext cx="8520600" cy="626100"/>
           </a:xfrm>
           <a:prstGeom prst="rect">
             <a:avLst/>
@@ -9923,82 +9350,28 @@
               <a:spcAft>
                 <a:spcPts val="0"/>
               </a:spcAft>
-              <a:buSzPct val="50000"/>
               <a:buNone/>
             </a:pPr>
             <a:r>
-              <a:rPr lang="fr" sz="1979"/>
-              <a:t>4 -Prédiction consommation énergie</a:t>
+              <a:rPr lang="fr"/>
+              <a:t>5- Conclusion</a:t>
             </a:r>
-            <a:endParaRPr sz="1979"/>
+            <a:endParaRPr/>
           </a:p>
         </p:txBody>
       </p:sp>
-      <p:pic>
-        <p:nvPicPr>
-          <p:cNvPr id="160" name="Google Shape;160;p30"/>
-          <p:cNvPicPr preferRelativeResize="0"/>
-          <p:nvPr/>
-        </p:nvPicPr>
-        <p:blipFill>
-          <a:blip r:embed="rId3">
-            <a:alphaModFix/>
-          </a:blip>
-          <a:stretch>
-            <a:fillRect/>
-          </a:stretch>
-        </p:blipFill>
-        <p:spPr>
-          <a:xfrm>
-            <a:off x="152400" y="647400"/>
-            <a:ext cx="8679900" cy="4343700"/>
-          </a:xfrm>
-          <a:prstGeom prst="rect">
-            <a:avLst/>
-          </a:prstGeom>
-          <a:noFill/>
-          <a:ln>
-            <a:noFill/>
-          </a:ln>
-        </p:spPr>
-      </p:pic>
-    </p:spTree>
-  </p:cSld>
-  <p:clrMapOvr>
-    <a:masterClrMapping/>
-  </p:clrMapOvr>
-</p:sld>
-</file>
-
-<file path=ppt/slides/slide19.xml><?xml version="1.0" encoding="utf-8"?>
-<p:sld xmlns:a="http://schemas.openxmlformats.org/drawingml/2006/main" xmlns:r="http://schemas.openxmlformats.org/officeDocument/2006/relationships" xmlns:mc="http://schemas.openxmlformats.org/markup-compatibility/2006" xmlns:mv="urn:schemas-microsoft-com:mac:vml" xmlns:p="http://schemas.openxmlformats.org/presentationml/2006/main" xmlns:c="http://schemas.openxmlformats.org/drawingml/2006/chart" xmlns:dgm="http://schemas.openxmlformats.org/drawingml/2006/diagram" xmlns:o="urn:schemas-microsoft-com:office:office" xmlns:v="urn:schemas-microsoft-com:vml" xmlns:pvml="urn:schemas-microsoft-com:office:powerpoint" xmlns:com="http://schemas.openxmlformats.org/drawingml/2006/compatibility" xmlns:p14="http://schemas.microsoft.com/office/powerpoint/2010/main" xmlns:p15="http://schemas.microsoft.com/office/powerpoint/2012/main" xmlns:ahyp="http://schemas.microsoft.com/office/drawing/2018/hyperlinkcolor">
-  <p:cSld>
-    <p:spTree>
-      <p:nvGrpSpPr>
-        <p:cNvPr id="164" name="Shape 164"/>
-        <p:cNvGrpSpPr/>
-        <p:nvPr/>
-      </p:nvGrpSpPr>
-      <p:grpSpPr>
-        <a:xfrm>
-          <a:off x="0" y="0"/>
-          <a:ext cx="0" cy="0"/>
-          <a:chOff x="0" y="0"/>
-          <a:chExt cx="0" cy="0"/>
-        </a:xfrm>
-      </p:grpSpPr>
       <p:sp>
         <p:nvSpPr>
-          <p:cNvPr id="165" name="Google Shape;165;p31"/>
+          <p:cNvPr id="160" name="Google Shape;160;p30"/>
           <p:cNvSpPr txBox="1"/>
           <p:nvPr>
-            <p:ph type="title"/>
+            <p:ph idx="1" type="body"/>
           </p:nvPr>
         </p:nvSpPr>
         <p:spPr>
           <a:xfrm>
-            <a:off x="311700" y="60375"/>
-            <a:ext cx="8520600" cy="471000"/>
+            <a:off x="311700" y="1152475"/>
+            <a:ext cx="8520600" cy="3416400"/>
           </a:xfrm>
           <a:prstGeom prst="rect">
             <a:avLst/>
@@ -10006,7 +9379,7 @@
         </p:spPr>
         <p:txBody>
           <a:bodyPr anchorCtr="0" anchor="t" bIns="91425" lIns="91425" spcFirstLastPara="1" rIns="91425" wrap="square" tIns="91425">
-            <a:normAutofit fontScale="90000"/>
+            <a:normAutofit/>
           </a:bodyPr>
           <a:lstStyle/>
           <a:p>
@@ -10017,64 +9390,32 @@
               <a:spcAft>
                 <a:spcPts val="0"/>
               </a:spcAft>
-              <a:buClr>
-                <a:srgbClr val="000000"/>
-              </a:buClr>
-              <a:buSzPct val="50000"/>
-              <a:buFont typeface="Arial"/>
               <a:buNone/>
             </a:pPr>
             <a:r>
-              <a:rPr lang="fr" sz="1979"/>
-              <a:t>4 -Prédiction consommation énergie sans energystarscore</a:t>
+              <a:rPr lang="fr"/>
+              <a:t>R2=50% prédiction consommation energie regression linéaire simple</a:t>
             </a:r>
-            <a:endParaRPr sz="1979"/>
+            <a:endParaRPr/>
           </a:p>
           <a:p>
             <a:pPr indent="0" lvl="0" marL="0" rtl="0" algn="l">
               <a:spcBef>
-                <a:spcPts val="0"/>
-              </a:spcBef>
-              <a:spcAft>
-                <a:spcPts val="0"/>
+                <a:spcPts val="1200"/>
+              </a:spcBef>
+              <a:spcAft>
+                <a:spcPts val="1200"/>
               </a:spcAft>
               <a:buNone/>
             </a:pPr>
             <a:r>
-              <a:t/>
+              <a:rPr lang="fr"/>
+              <a:t>R2=48% émission Co2, energystarscore peu d’effet: Lasso alpha=0.105</a:t>
             </a:r>
             <a:endParaRPr/>
           </a:p>
         </p:txBody>
       </p:sp>
-      <p:pic>
-        <p:nvPicPr>
-          <p:cNvPr id="166" name="Google Shape;166;p31"/>
-          <p:cNvPicPr preferRelativeResize="0"/>
-          <p:nvPr/>
-        </p:nvPicPr>
-        <p:blipFill>
-          <a:blip r:embed="rId3">
-            <a:alphaModFix/>
-          </a:blip>
-          <a:stretch>
-            <a:fillRect/>
-          </a:stretch>
-        </p:blipFill>
-        <p:spPr>
-          <a:xfrm>
-            <a:off x="0" y="683775"/>
-            <a:ext cx="9144000" cy="3868100"/>
-          </a:xfrm>
-          <a:prstGeom prst="rect">
-            <a:avLst/>
-          </a:prstGeom>
-          <a:noFill/>
-          <a:ln>
-            <a:noFill/>
-          </a:ln>
-        </p:spPr>
-      </p:pic>
     </p:spTree>
   </p:cSld>
   <p:clrMapOvr>
@@ -10248,733 +9589,6 @@
             </a:pPr>
             <a:r>
               <a:t/>
-            </a:r>
-            <a:endParaRPr/>
-          </a:p>
-        </p:txBody>
-      </p:sp>
-    </p:spTree>
-  </p:cSld>
-  <p:clrMapOvr>
-    <a:masterClrMapping/>
-  </p:clrMapOvr>
-</p:sld>
-</file>
-
-<file path=ppt/slides/slide20.xml><?xml version="1.0" encoding="utf-8"?>
-<p:sld xmlns:a="http://schemas.openxmlformats.org/drawingml/2006/main" xmlns:r="http://schemas.openxmlformats.org/officeDocument/2006/relationships" xmlns:mc="http://schemas.openxmlformats.org/markup-compatibility/2006" xmlns:mv="urn:schemas-microsoft-com:mac:vml" xmlns:p="http://schemas.openxmlformats.org/presentationml/2006/main" xmlns:c="http://schemas.openxmlformats.org/drawingml/2006/chart" xmlns:dgm="http://schemas.openxmlformats.org/drawingml/2006/diagram" xmlns:o="urn:schemas-microsoft-com:office:office" xmlns:v="urn:schemas-microsoft-com:vml" xmlns:pvml="urn:schemas-microsoft-com:office:powerpoint" xmlns:com="http://schemas.openxmlformats.org/drawingml/2006/compatibility" xmlns:p14="http://schemas.microsoft.com/office/powerpoint/2010/main" xmlns:p15="http://schemas.microsoft.com/office/powerpoint/2012/main" xmlns:ahyp="http://schemas.microsoft.com/office/drawing/2018/hyperlinkcolor">
-  <p:cSld>
-    <p:spTree>
-      <p:nvGrpSpPr>
-        <p:cNvPr id="170" name="Shape 170"/>
-        <p:cNvGrpSpPr/>
-        <p:nvPr/>
-      </p:nvGrpSpPr>
-      <p:grpSpPr>
-        <a:xfrm>
-          <a:off x="0" y="0"/>
-          <a:ext cx="0" cy="0"/>
-          <a:chOff x="0" y="0"/>
-          <a:chExt cx="0" cy="0"/>
-        </a:xfrm>
-      </p:grpSpPr>
-      <p:sp>
-        <p:nvSpPr>
-          <p:cNvPr id="171" name="Google Shape;171;p32"/>
-          <p:cNvSpPr txBox="1"/>
-          <p:nvPr>
-            <p:ph type="title"/>
-          </p:nvPr>
-        </p:nvSpPr>
-        <p:spPr>
-          <a:xfrm>
-            <a:off x="311700" y="0"/>
-            <a:ext cx="8520600" cy="458700"/>
-          </a:xfrm>
-          <a:prstGeom prst="rect">
-            <a:avLst/>
-          </a:prstGeom>
-        </p:spPr>
-        <p:txBody>
-          <a:bodyPr anchorCtr="0" anchor="t" bIns="91425" lIns="91425" spcFirstLastPara="1" rIns="91425" wrap="square" tIns="91425">
-            <a:normAutofit fontScale="90000"/>
-          </a:bodyPr>
-          <a:lstStyle/>
-          <a:p>
-            <a:pPr indent="0" lvl="0" marL="0" rtl="0" algn="l">
-              <a:spcBef>
-                <a:spcPts val="0"/>
-              </a:spcBef>
-              <a:spcAft>
-                <a:spcPts val="0"/>
-              </a:spcAft>
-              <a:buNone/>
-            </a:pPr>
-            <a:r>
-              <a:rPr lang="fr" sz="1979"/>
-              <a:t>4 -Prédiction consommation énergie sans energystarscore</a:t>
-            </a:r>
-            <a:endParaRPr sz="1979"/>
-          </a:p>
-          <a:p>
-            <a:pPr indent="0" lvl="0" marL="0" rtl="0" algn="l">
-              <a:spcBef>
-                <a:spcPts val="0"/>
-              </a:spcBef>
-              <a:spcAft>
-                <a:spcPts val="0"/>
-              </a:spcAft>
-              <a:buNone/>
-            </a:pPr>
-            <a:r>
-              <a:t/>
-            </a:r>
-            <a:endParaRPr/>
-          </a:p>
-          <a:p>
-            <a:pPr indent="0" lvl="0" marL="0" rtl="0" algn="l">
-              <a:spcBef>
-                <a:spcPts val="0"/>
-              </a:spcBef>
-              <a:spcAft>
-                <a:spcPts val="0"/>
-              </a:spcAft>
-              <a:buNone/>
-            </a:pPr>
-            <a:r>
-              <a:t/>
-            </a:r>
-            <a:endParaRPr/>
-          </a:p>
-        </p:txBody>
-      </p:sp>
-      <p:pic>
-        <p:nvPicPr>
-          <p:cNvPr id="172" name="Google Shape;172;p32"/>
-          <p:cNvPicPr preferRelativeResize="0"/>
-          <p:nvPr/>
-        </p:nvPicPr>
-        <p:blipFill>
-          <a:blip r:embed="rId3">
-            <a:alphaModFix/>
-          </a:blip>
-          <a:stretch>
-            <a:fillRect/>
-          </a:stretch>
-        </p:blipFill>
-        <p:spPr>
-          <a:xfrm>
-            <a:off x="152400" y="611100"/>
-            <a:ext cx="8839204" cy="4190853"/>
-          </a:xfrm>
-          <a:prstGeom prst="rect">
-            <a:avLst/>
-          </a:prstGeom>
-          <a:noFill/>
-          <a:ln>
-            <a:noFill/>
-          </a:ln>
-        </p:spPr>
-      </p:pic>
-    </p:spTree>
-  </p:cSld>
-  <p:clrMapOvr>
-    <a:masterClrMapping/>
-  </p:clrMapOvr>
-</p:sld>
-</file>
-
-<file path=ppt/slides/slide21.xml><?xml version="1.0" encoding="utf-8"?>
-<p:sld xmlns:a="http://schemas.openxmlformats.org/drawingml/2006/main" xmlns:r="http://schemas.openxmlformats.org/officeDocument/2006/relationships" xmlns:mc="http://schemas.openxmlformats.org/markup-compatibility/2006" xmlns:mv="urn:schemas-microsoft-com:mac:vml" xmlns:p="http://schemas.openxmlformats.org/presentationml/2006/main" xmlns:c="http://schemas.openxmlformats.org/drawingml/2006/chart" xmlns:dgm="http://schemas.openxmlformats.org/drawingml/2006/diagram" xmlns:o="urn:schemas-microsoft-com:office:office" xmlns:v="urn:schemas-microsoft-com:vml" xmlns:pvml="urn:schemas-microsoft-com:office:powerpoint" xmlns:com="http://schemas.openxmlformats.org/drawingml/2006/compatibility" xmlns:p14="http://schemas.microsoft.com/office/powerpoint/2010/main" xmlns:p15="http://schemas.microsoft.com/office/powerpoint/2012/main" xmlns:ahyp="http://schemas.microsoft.com/office/drawing/2018/hyperlinkcolor">
-  <p:cSld>
-    <p:spTree>
-      <p:nvGrpSpPr>
-        <p:cNvPr id="176" name="Shape 176"/>
-        <p:cNvGrpSpPr/>
-        <p:nvPr/>
-      </p:nvGrpSpPr>
-      <p:grpSpPr>
-        <a:xfrm>
-          <a:off x="0" y="0"/>
-          <a:ext cx="0" cy="0"/>
-          <a:chOff x="0" y="0"/>
-          <a:chExt cx="0" cy="0"/>
-        </a:xfrm>
-      </p:grpSpPr>
-      <p:sp>
-        <p:nvSpPr>
-          <p:cNvPr id="177" name="Google Shape;177;p33"/>
-          <p:cNvSpPr txBox="1"/>
-          <p:nvPr>
-            <p:ph type="title"/>
-          </p:nvPr>
-        </p:nvSpPr>
-        <p:spPr>
-          <a:xfrm>
-            <a:off x="311700" y="391350"/>
-            <a:ext cx="8520600" cy="626100"/>
-          </a:xfrm>
-          <a:prstGeom prst="rect">
-            <a:avLst/>
-          </a:prstGeom>
-        </p:spPr>
-        <p:txBody>
-          <a:bodyPr anchorCtr="0" anchor="t" bIns="91425" lIns="91425" spcFirstLastPara="1" rIns="91425" wrap="square" tIns="91425">
-            <a:normAutofit fontScale="90000"/>
-          </a:bodyPr>
-          <a:lstStyle/>
-          <a:p>
-            <a:pPr indent="0" lvl="0" marL="0" rtl="0" algn="l">
-              <a:spcBef>
-                <a:spcPts val="0"/>
-              </a:spcBef>
-              <a:spcAft>
-                <a:spcPts val="0"/>
-              </a:spcAft>
-              <a:buNone/>
-            </a:pPr>
-            <a:r>
-              <a:rPr lang="fr" sz="1979"/>
-              <a:t>4 -Prédiction consommation énergie avec energystarscore</a:t>
-            </a:r>
-            <a:endParaRPr sz="1979"/>
-          </a:p>
-          <a:p>
-            <a:pPr indent="0" lvl="0" marL="0" rtl="0" algn="l">
-              <a:spcBef>
-                <a:spcPts val="0"/>
-              </a:spcBef>
-              <a:spcAft>
-                <a:spcPts val="0"/>
-              </a:spcAft>
-              <a:buNone/>
-            </a:pPr>
-            <a:r>
-              <a:t/>
-            </a:r>
-            <a:endParaRPr/>
-          </a:p>
-          <a:p>
-            <a:pPr indent="0" lvl="0" marL="0" rtl="0" algn="l">
-              <a:spcBef>
-                <a:spcPts val="0"/>
-              </a:spcBef>
-              <a:spcAft>
-                <a:spcPts val="0"/>
-              </a:spcAft>
-              <a:buNone/>
-            </a:pPr>
-            <a:r>
-              <a:t/>
-            </a:r>
-            <a:endParaRPr/>
-          </a:p>
-          <a:p>
-            <a:pPr indent="0" lvl="0" marL="0" rtl="0" algn="l">
-              <a:spcBef>
-                <a:spcPts val="0"/>
-              </a:spcBef>
-              <a:spcAft>
-                <a:spcPts val="0"/>
-              </a:spcAft>
-              <a:buNone/>
-            </a:pPr>
-            <a:r>
-              <a:t/>
-            </a:r>
-            <a:endParaRPr/>
-          </a:p>
-        </p:txBody>
-      </p:sp>
-      <p:pic>
-        <p:nvPicPr>
-          <p:cNvPr id="178" name="Google Shape;178;p33"/>
-          <p:cNvPicPr preferRelativeResize="0"/>
-          <p:nvPr/>
-        </p:nvPicPr>
-        <p:blipFill>
-          <a:blip r:embed="rId3">
-            <a:alphaModFix/>
-          </a:blip>
-          <a:stretch>
-            <a:fillRect/>
-          </a:stretch>
-        </p:blipFill>
-        <p:spPr>
-          <a:xfrm>
-            <a:off x="152400" y="1169850"/>
-            <a:ext cx="8903050" cy="3321650"/>
-          </a:xfrm>
-          <a:prstGeom prst="rect">
-            <a:avLst/>
-          </a:prstGeom>
-          <a:noFill/>
-          <a:ln>
-            <a:noFill/>
-          </a:ln>
-        </p:spPr>
-      </p:pic>
-    </p:spTree>
-  </p:cSld>
-  <p:clrMapOvr>
-    <a:masterClrMapping/>
-  </p:clrMapOvr>
-</p:sld>
-</file>
-
-<file path=ppt/slides/slide22.xml><?xml version="1.0" encoding="utf-8"?>
-<p:sld xmlns:a="http://schemas.openxmlformats.org/drawingml/2006/main" xmlns:r="http://schemas.openxmlformats.org/officeDocument/2006/relationships" xmlns:mc="http://schemas.openxmlformats.org/markup-compatibility/2006" xmlns:mv="urn:schemas-microsoft-com:mac:vml" xmlns:p="http://schemas.openxmlformats.org/presentationml/2006/main" xmlns:c="http://schemas.openxmlformats.org/drawingml/2006/chart" xmlns:dgm="http://schemas.openxmlformats.org/drawingml/2006/diagram" xmlns:o="urn:schemas-microsoft-com:office:office" xmlns:v="urn:schemas-microsoft-com:vml" xmlns:pvml="urn:schemas-microsoft-com:office:powerpoint" xmlns:com="http://schemas.openxmlformats.org/drawingml/2006/compatibility" xmlns:p14="http://schemas.microsoft.com/office/powerpoint/2010/main" xmlns:p15="http://schemas.microsoft.com/office/powerpoint/2012/main" xmlns:ahyp="http://schemas.microsoft.com/office/drawing/2018/hyperlinkcolor">
-  <p:cSld>
-    <p:spTree>
-      <p:nvGrpSpPr>
-        <p:cNvPr id="182" name="Shape 182"/>
-        <p:cNvGrpSpPr/>
-        <p:nvPr/>
-      </p:nvGrpSpPr>
-      <p:grpSpPr>
-        <a:xfrm>
-          <a:off x="0" y="0"/>
-          <a:ext cx="0" cy="0"/>
-          <a:chOff x="0" y="0"/>
-          <a:chExt cx="0" cy="0"/>
-        </a:xfrm>
-      </p:grpSpPr>
-      <p:sp>
-        <p:nvSpPr>
-          <p:cNvPr id="183" name="Google Shape;183;p34"/>
-          <p:cNvSpPr txBox="1"/>
-          <p:nvPr>
-            <p:ph type="title"/>
-          </p:nvPr>
-        </p:nvSpPr>
-        <p:spPr>
-          <a:xfrm>
-            <a:off x="311700" y="60375"/>
-            <a:ext cx="8520600" cy="434700"/>
-          </a:xfrm>
-          <a:prstGeom prst="rect">
-            <a:avLst/>
-          </a:prstGeom>
-        </p:spPr>
-        <p:txBody>
-          <a:bodyPr anchorCtr="0" anchor="t" bIns="91425" lIns="91425" spcFirstLastPara="1" rIns="91425" wrap="square" tIns="91425">
-            <a:normAutofit fontScale="90000"/>
-          </a:bodyPr>
-          <a:lstStyle/>
-          <a:p>
-            <a:pPr indent="0" lvl="0" marL="0" rtl="0" algn="l">
-              <a:spcBef>
-                <a:spcPts val="0"/>
-              </a:spcBef>
-              <a:spcAft>
-                <a:spcPts val="0"/>
-              </a:spcAft>
-              <a:buNone/>
-            </a:pPr>
-            <a:r>
-              <a:rPr lang="fr" sz="1979"/>
-              <a:t>4 -Prédiction consommation énergie avec energystarscore</a:t>
-            </a:r>
-            <a:endParaRPr sz="1979"/>
-          </a:p>
-          <a:p>
-            <a:pPr indent="0" lvl="0" marL="0" rtl="0" algn="l">
-              <a:spcBef>
-                <a:spcPts val="0"/>
-              </a:spcBef>
-              <a:spcAft>
-                <a:spcPts val="0"/>
-              </a:spcAft>
-              <a:buNone/>
-            </a:pPr>
-            <a:r>
-              <a:t/>
-            </a:r>
-            <a:endParaRPr/>
-          </a:p>
-          <a:p>
-            <a:pPr indent="0" lvl="0" marL="0" rtl="0" algn="l">
-              <a:spcBef>
-                <a:spcPts val="0"/>
-              </a:spcBef>
-              <a:spcAft>
-                <a:spcPts val="0"/>
-              </a:spcAft>
-              <a:buNone/>
-            </a:pPr>
-            <a:r>
-              <a:t/>
-            </a:r>
-            <a:endParaRPr/>
-          </a:p>
-          <a:p>
-            <a:pPr indent="0" lvl="0" marL="0" rtl="0" algn="l">
-              <a:spcBef>
-                <a:spcPts val="0"/>
-              </a:spcBef>
-              <a:spcAft>
-                <a:spcPts val="0"/>
-              </a:spcAft>
-              <a:buNone/>
-            </a:pPr>
-            <a:r>
-              <a:t/>
-            </a:r>
-            <a:endParaRPr/>
-          </a:p>
-          <a:p>
-            <a:pPr indent="0" lvl="0" marL="0" rtl="0" algn="l">
-              <a:spcBef>
-                <a:spcPts val="0"/>
-              </a:spcBef>
-              <a:spcAft>
-                <a:spcPts val="0"/>
-              </a:spcAft>
-              <a:buNone/>
-            </a:pPr>
-            <a:r>
-              <a:t/>
-            </a:r>
-            <a:endParaRPr/>
-          </a:p>
-        </p:txBody>
-      </p:sp>
-      <p:pic>
-        <p:nvPicPr>
-          <p:cNvPr id="184" name="Google Shape;184;p34"/>
-          <p:cNvPicPr preferRelativeResize="0"/>
-          <p:nvPr/>
-        </p:nvPicPr>
-        <p:blipFill>
-          <a:blip r:embed="rId3">
-            <a:alphaModFix/>
-          </a:blip>
-          <a:stretch>
-            <a:fillRect/>
-          </a:stretch>
-        </p:blipFill>
-        <p:spPr>
-          <a:xfrm>
-            <a:off x="152400" y="495075"/>
-            <a:ext cx="8839199" cy="4343249"/>
-          </a:xfrm>
-          <a:prstGeom prst="rect">
-            <a:avLst/>
-          </a:prstGeom>
-          <a:noFill/>
-          <a:ln>
-            <a:noFill/>
-          </a:ln>
-        </p:spPr>
-      </p:pic>
-    </p:spTree>
-  </p:cSld>
-  <p:clrMapOvr>
-    <a:masterClrMapping/>
-  </p:clrMapOvr>
-</p:sld>
-</file>
-
-<file path=ppt/slides/slide23.xml><?xml version="1.0" encoding="utf-8"?>
-<p:sld xmlns:a="http://schemas.openxmlformats.org/drawingml/2006/main" xmlns:r="http://schemas.openxmlformats.org/officeDocument/2006/relationships" xmlns:mc="http://schemas.openxmlformats.org/markup-compatibility/2006" xmlns:mv="urn:schemas-microsoft-com:mac:vml" xmlns:p="http://schemas.openxmlformats.org/presentationml/2006/main" xmlns:c="http://schemas.openxmlformats.org/drawingml/2006/chart" xmlns:dgm="http://schemas.openxmlformats.org/drawingml/2006/diagram" xmlns:o="urn:schemas-microsoft-com:office:office" xmlns:v="urn:schemas-microsoft-com:vml" xmlns:pvml="urn:schemas-microsoft-com:office:powerpoint" xmlns:com="http://schemas.openxmlformats.org/drawingml/2006/compatibility" xmlns:p14="http://schemas.microsoft.com/office/powerpoint/2010/main" xmlns:p15="http://schemas.microsoft.com/office/powerpoint/2012/main" xmlns:ahyp="http://schemas.microsoft.com/office/drawing/2018/hyperlinkcolor">
-  <p:cSld>
-    <p:spTree>
-      <p:nvGrpSpPr>
-        <p:cNvPr id="188" name="Shape 188"/>
-        <p:cNvGrpSpPr/>
-        <p:nvPr/>
-      </p:nvGrpSpPr>
-      <p:grpSpPr>
-        <a:xfrm>
-          <a:off x="0" y="0"/>
-          <a:ext cx="0" cy="0"/>
-          <a:chOff x="0" y="0"/>
-          <a:chExt cx="0" cy="0"/>
-        </a:xfrm>
-      </p:grpSpPr>
-      <p:sp>
-        <p:nvSpPr>
-          <p:cNvPr id="189" name="Google Shape;189;p35"/>
-          <p:cNvSpPr txBox="1"/>
-          <p:nvPr>
-            <p:ph type="title"/>
-          </p:nvPr>
-        </p:nvSpPr>
-        <p:spPr>
-          <a:xfrm>
-            <a:off x="311700" y="0"/>
-            <a:ext cx="8520600" cy="458700"/>
-          </a:xfrm>
-          <a:prstGeom prst="rect">
-            <a:avLst/>
-          </a:prstGeom>
-        </p:spPr>
-        <p:txBody>
-          <a:bodyPr anchorCtr="0" anchor="t" bIns="91425" lIns="91425" spcFirstLastPara="1" rIns="91425" wrap="square" tIns="91425">
-            <a:normAutofit fontScale="90000"/>
-          </a:bodyPr>
-          <a:lstStyle/>
-          <a:p>
-            <a:pPr indent="0" lvl="0" marL="0" rtl="0" algn="l">
-              <a:spcBef>
-                <a:spcPts val="0"/>
-              </a:spcBef>
-              <a:spcAft>
-                <a:spcPts val="0"/>
-              </a:spcAft>
-              <a:buNone/>
-            </a:pPr>
-            <a:r>
-              <a:rPr lang="fr" sz="1979"/>
-              <a:t>4 -Prédiction consommation énergie avec energystarscore</a:t>
-            </a:r>
-            <a:endParaRPr sz="1979"/>
-          </a:p>
-          <a:p>
-            <a:pPr indent="0" lvl="0" marL="0" rtl="0" algn="l">
-              <a:spcBef>
-                <a:spcPts val="0"/>
-              </a:spcBef>
-              <a:spcAft>
-                <a:spcPts val="0"/>
-              </a:spcAft>
-              <a:buNone/>
-            </a:pPr>
-            <a:r>
-              <a:rPr lang="fr" sz="1979">
-                <a:solidFill>
-                  <a:srgbClr val="666666"/>
-                </a:solidFill>
-              </a:rPr>
-              <a:t>                       Ridge avec c=2.5 R2=0.59 energystarscore peu d’effet</a:t>
-            </a:r>
-            <a:endParaRPr sz="1979">
-              <a:solidFill>
-                <a:srgbClr val="666666"/>
-              </a:solidFill>
-            </a:endParaRPr>
-          </a:p>
-          <a:p>
-            <a:pPr indent="0" lvl="0" marL="0" rtl="0" algn="l">
-              <a:spcBef>
-                <a:spcPts val="0"/>
-              </a:spcBef>
-              <a:spcAft>
-                <a:spcPts val="0"/>
-              </a:spcAft>
-              <a:buNone/>
-            </a:pPr>
-            <a:r>
-              <a:t/>
-            </a:r>
-            <a:endParaRPr/>
-          </a:p>
-          <a:p>
-            <a:pPr indent="0" lvl="0" marL="0" rtl="0" algn="l">
-              <a:spcBef>
-                <a:spcPts val="0"/>
-              </a:spcBef>
-              <a:spcAft>
-                <a:spcPts val="0"/>
-              </a:spcAft>
-              <a:buNone/>
-            </a:pPr>
-            <a:r>
-              <a:t/>
-            </a:r>
-            <a:endParaRPr/>
-          </a:p>
-          <a:p>
-            <a:pPr indent="0" lvl="0" marL="0" rtl="0" algn="l">
-              <a:spcBef>
-                <a:spcPts val="0"/>
-              </a:spcBef>
-              <a:spcAft>
-                <a:spcPts val="0"/>
-              </a:spcAft>
-              <a:buNone/>
-            </a:pPr>
-            <a:r>
-              <a:t/>
-            </a:r>
-            <a:endParaRPr/>
-          </a:p>
-          <a:p>
-            <a:pPr indent="0" lvl="0" marL="0" rtl="0" algn="l">
-              <a:spcBef>
-                <a:spcPts val="0"/>
-              </a:spcBef>
-              <a:spcAft>
-                <a:spcPts val="0"/>
-              </a:spcAft>
-              <a:buNone/>
-            </a:pPr>
-            <a:r>
-              <a:t/>
-            </a:r>
-            <a:endParaRPr/>
-          </a:p>
-          <a:p>
-            <a:pPr indent="0" lvl="0" marL="0" rtl="0" algn="l">
-              <a:spcBef>
-                <a:spcPts val="0"/>
-              </a:spcBef>
-              <a:spcAft>
-                <a:spcPts val="0"/>
-              </a:spcAft>
-              <a:buNone/>
-            </a:pPr>
-            <a:r>
-              <a:t/>
-            </a:r>
-            <a:endParaRPr/>
-          </a:p>
-        </p:txBody>
-      </p:sp>
-      <p:pic>
-        <p:nvPicPr>
-          <p:cNvPr id="190" name="Google Shape;190;p35"/>
-          <p:cNvPicPr preferRelativeResize="0"/>
-          <p:nvPr/>
-        </p:nvPicPr>
-        <p:blipFill>
-          <a:blip r:embed="rId3">
-            <a:alphaModFix/>
-          </a:blip>
-          <a:stretch>
-            <a:fillRect/>
-          </a:stretch>
-        </p:blipFill>
-        <p:spPr>
-          <a:xfrm>
-            <a:off x="152400" y="893475"/>
-            <a:ext cx="8839200" cy="3537650"/>
-          </a:xfrm>
-          <a:prstGeom prst="rect">
-            <a:avLst/>
-          </a:prstGeom>
-          <a:noFill/>
-          <a:ln>
-            <a:noFill/>
-          </a:ln>
-        </p:spPr>
-      </p:pic>
-    </p:spTree>
-  </p:cSld>
-  <p:clrMapOvr>
-    <a:masterClrMapping/>
-  </p:clrMapOvr>
-</p:sld>
-</file>
-
-<file path=ppt/slides/slide24.xml><?xml version="1.0" encoding="utf-8"?>
-<p:sld xmlns:a="http://schemas.openxmlformats.org/drawingml/2006/main" xmlns:r="http://schemas.openxmlformats.org/officeDocument/2006/relationships" xmlns:mc="http://schemas.openxmlformats.org/markup-compatibility/2006" xmlns:mv="urn:schemas-microsoft-com:mac:vml" xmlns:p="http://schemas.openxmlformats.org/presentationml/2006/main" xmlns:c="http://schemas.openxmlformats.org/drawingml/2006/chart" xmlns:dgm="http://schemas.openxmlformats.org/drawingml/2006/diagram" xmlns:o="urn:schemas-microsoft-com:office:office" xmlns:v="urn:schemas-microsoft-com:vml" xmlns:pvml="urn:schemas-microsoft-com:office:powerpoint" xmlns:com="http://schemas.openxmlformats.org/drawingml/2006/compatibility" xmlns:p14="http://schemas.microsoft.com/office/powerpoint/2010/main" xmlns:p15="http://schemas.microsoft.com/office/powerpoint/2012/main" xmlns:ahyp="http://schemas.microsoft.com/office/drawing/2018/hyperlinkcolor">
-  <p:cSld>
-    <p:spTree>
-      <p:nvGrpSpPr>
-        <p:cNvPr id="194" name="Shape 194"/>
-        <p:cNvGrpSpPr/>
-        <p:nvPr/>
-      </p:nvGrpSpPr>
-      <p:grpSpPr>
-        <a:xfrm>
-          <a:off x="0" y="0"/>
-          <a:ext cx="0" cy="0"/>
-          <a:chOff x="0" y="0"/>
-          <a:chExt cx="0" cy="0"/>
-        </a:xfrm>
-      </p:grpSpPr>
-      <p:sp>
-        <p:nvSpPr>
-          <p:cNvPr id="195" name="Google Shape;195;p36"/>
-          <p:cNvSpPr txBox="1"/>
-          <p:nvPr>
-            <p:ph type="title"/>
-          </p:nvPr>
-        </p:nvSpPr>
-        <p:spPr>
-          <a:xfrm>
-            <a:off x="311700" y="391350"/>
-            <a:ext cx="8520600" cy="626100"/>
-          </a:xfrm>
-          <a:prstGeom prst="rect">
-            <a:avLst/>
-          </a:prstGeom>
-        </p:spPr>
-        <p:txBody>
-          <a:bodyPr anchorCtr="0" anchor="t" bIns="91425" lIns="91425" spcFirstLastPara="1" rIns="91425" wrap="square" tIns="91425">
-            <a:normAutofit fontScale="90000"/>
-          </a:bodyPr>
-          <a:lstStyle/>
-          <a:p>
-            <a:pPr indent="0" lvl="0" marL="0" rtl="0" algn="l">
-              <a:spcBef>
-                <a:spcPts val="0"/>
-              </a:spcBef>
-              <a:spcAft>
-                <a:spcPts val="0"/>
-              </a:spcAft>
-              <a:buNone/>
-            </a:pPr>
-            <a:r>
-              <a:rPr lang="fr"/>
-              <a:t>5- Conclusion</a:t>
-            </a:r>
-            <a:endParaRPr/>
-          </a:p>
-        </p:txBody>
-      </p:sp>
-      <p:sp>
-        <p:nvSpPr>
-          <p:cNvPr id="196" name="Google Shape;196;p36"/>
-          <p:cNvSpPr txBox="1"/>
-          <p:nvPr>
-            <p:ph idx="1" type="body"/>
-          </p:nvPr>
-        </p:nvSpPr>
-        <p:spPr>
-          <a:xfrm>
-            <a:off x="311700" y="1152475"/>
-            <a:ext cx="8520600" cy="3416400"/>
-          </a:xfrm>
-          <a:prstGeom prst="rect">
-            <a:avLst/>
-          </a:prstGeom>
-        </p:spPr>
-        <p:txBody>
-          <a:bodyPr anchorCtr="0" anchor="t" bIns="91425" lIns="91425" spcFirstLastPara="1" rIns="91425" wrap="square" tIns="91425">
-            <a:normAutofit/>
-          </a:bodyPr>
-          <a:lstStyle/>
-          <a:p>
-            <a:pPr indent="0" lvl="0" marL="0" rtl="0" algn="l">
-              <a:spcBef>
-                <a:spcPts val="0"/>
-              </a:spcBef>
-              <a:spcAft>
-                <a:spcPts val="0"/>
-              </a:spcAft>
-              <a:buNone/>
-            </a:pPr>
-            <a:r>
-              <a:rPr lang="fr"/>
-              <a:t>R2=59% prédiction consommation energie ridge alpha=2.5</a:t>
-            </a:r>
-            <a:endParaRPr/>
-          </a:p>
-          <a:p>
-            <a:pPr indent="0" lvl="0" marL="0" rtl="0" algn="l">
-              <a:spcBef>
-                <a:spcPts val="1200"/>
-              </a:spcBef>
-              <a:spcAft>
-                <a:spcPts val="1200"/>
-              </a:spcAft>
-              <a:buNone/>
-            </a:pPr>
-            <a:r>
-              <a:rPr lang="fr"/>
-              <a:t>R2=94% émission Co2, consommation gaz naturel très significatif</a:t>
             </a:r>
             <a:endParaRPr/>
           </a:p>
@@ -11670,8 +10284,8 @@
         </p:blipFill>
         <p:spPr>
           <a:xfrm>
-            <a:off x="152400" y="531250"/>
-            <a:ext cx="8927201" cy="4459849"/>
+            <a:off x="152400" y="591600"/>
+            <a:ext cx="8915125" cy="4399499"/>
           </a:xfrm>
           <a:prstGeom prst="rect">
             <a:avLst/>

--- a/DIOP_Amadou_4_presentation_082022.pptx
+++ b/DIOP_Amadou_4_presentation_082022.pptx
@@ -26,30 +26,31 @@
     <p:sldId id="271" r:id="rId21"/>
     <p:sldId id="272" r:id="rId22"/>
     <p:sldId id="273" r:id="rId23"/>
+    <p:sldId id="274" r:id="rId24"/>
   </p:sldIdLst>
   <p:sldSz cy="5143500" cx="9144000"/>
   <p:notesSz cx="6858000" cy="9144000"/>
   <p:embeddedFontLst>
     <p:embeddedFont>
       <p:font typeface="Playfair Display"/>
-      <p:regular r:id="rId24"/>
-      <p:bold r:id="rId25"/>
-      <p:italic r:id="rId26"/>
-      <p:boldItalic r:id="rId27"/>
+      <p:regular r:id="rId25"/>
+      <p:bold r:id="rId26"/>
+      <p:italic r:id="rId27"/>
+      <p:boldItalic r:id="rId28"/>
     </p:embeddedFont>
     <p:embeddedFont>
       <p:font typeface="Lato"/>
-      <p:regular r:id="rId28"/>
-      <p:bold r:id="rId29"/>
-      <p:italic r:id="rId30"/>
-      <p:boldItalic r:id="rId31"/>
+      <p:regular r:id="rId29"/>
+      <p:bold r:id="rId30"/>
+      <p:italic r:id="rId31"/>
+      <p:boldItalic r:id="rId32"/>
     </p:embeddedFont>
     <p:embeddedFont>
       <p:font typeface="Montserrat"/>
-      <p:regular r:id="rId32"/>
-      <p:bold r:id="rId33"/>
-      <p:italic r:id="rId34"/>
-      <p:boldItalic r:id="rId35"/>
+      <p:regular r:id="rId33"/>
+      <p:bold r:id="rId34"/>
+      <p:italic r:id="rId35"/>
+      <p:boldItalic r:id="rId36"/>
     </p:embeddedFont>
   </p:embeddedFontLst>
   <p:defaultTextStyle>
@@ -943,7 +944,7 @@
       </p:grpSpPr>
       <p:sp>
         <p:nvSpPr>
-          <p:cNvPr id="114" name="Google Shape;114;g1404fc3ce99_0_41:notes"/>
+          <p:cNvPr id="114" name="Google Shape;114;gfe1a14d5f5_0_8:notes"/>
           <p:cNvSpPr/>
           <p:nvPr>
             <p:ph idx="2" type="sldImg"/>
@@ -978,7 +979,7 @@
       </p:sp>
       <p:sp>
         <p:nvSpPr>
-          <p:cNvPr id="115" name="Google Shape;115;g1404fc3ce99_0_41:notes"/>
+          <p:cNvPr id="115" name="Google Shape;115;gfe1a14d5f5_0_8:notes"/>
           <p:cNvSpPr txBox="1"/>
           <p:nvPr>
             <p:ph idx="1" type="body"/>
@@ -1042,7 +1043,7 @@
       </p:grpSpPr>
       <p:sp>
         <p:nvSpPr>
-          <p:cNvPr id="120" name="Google Shape;120;g1404fc3ce99_0_48:notes"/>
+          <p:cNvPr id="120" name="Google Shape;120;g1404fc3ce99_0_41:notes"/>
           <p:cNvSpPr/>
           <p:nvPr>
             <p:ph idx="2" type="sldImg"/>
@@ -1077,7 +1078,7 @@
       </p:sp>
       <p:sp>
         <p:nvSpPr>
-          <p:cNvPr id="121" name="Google Shape;121;g1404fc3ce99_0_48:notes"/>
+          <p:cNvPr id="121" name="Google Shape;121;g1404fc3ce99_0_41:notes"/>
           <p:cNvSpPr txBox="1"/>
           <p:nvPr>
             <p:ph idx="1" type="body"/>
@@ -1141,7 +1142,7 @@
       </p:grpSpPr>
       <p:sp>
         <p:nvSpPr>
-          <p:cNvPr id="126" name="Google Shape;126;g144f5ac198a_0_2:notes"/>
+          <p:cNvPr id="126" name="Google Shape;126;g1404fc3ce99_0_48:notes"/>
           <p:cNvSpPr/>
           <p:nvPr>
             <p:ph idx="2" type="sldImg"/>
@@ -1176,7 +1177,7 @@
       </p:sp>
       <p:sp>
         <p:nvSpPr>
-          <p:cNvPr id="127" name="Google Shape;127;g144f5ac198a_0_2:notes"/>
+          <p:cNvPr id="127" name="Google Shape;127;g1404fc3ce99_0_48:notes"/>
           <p:cNvSpPr txBox="1"/>
           <p:nvPr>
             <p:ph idx="1" type="body"/>
@@ -1240,7 +1241,7 @@
       </p:grpSpPr>
       <p:sp>
         <p:nvSpPr>
-          <p:cNvPr id="132" name="Google Shape;132;g1404fc3ce99_0_80:notes"/>
+          <p:cNvPr id="132" name="Google Shape;132;g144f5ac198a_0_2:notes"/>
           <p:cNvSpPr/>
           <p:nvPr>
             <p:ph idx="2" type="sldImg"/>
@@ -1275,7 +1276,7 @@
       </p:sp>
       <p:sp>
         <p:nvSpPr>
-          <p:cNvPr id="133" name="Google Shape;133;g1404fc3ce99_0_80:notes"/>
+          <p:cNvPr id="133" name="Google Shape;133;g144f5ac198a_0_2:notes"/>
           <p:cNvSpPr txBox="1"/>
           <p:nvPr>
             <p:ph idx="1" type="body"/>
@@ -1339,7 +1340,7 @@
       </p:grpSpPr>
       <p:sp>
         <p:nvSpPr>
-          <p:cNvPr id="138" name="Google Shape;138;g1404fc3ce99_0_85:notes"/>
+          <p:cNvPr id="138" name="Google Shape;138;g1404fc3ce99_0_80:notes"/>
           <p:cNvSpPr/>
           <p:nvPr>
             <p:ph idx="2" type="sldImg"/>
@@ -1374,7 +1375,7 @@
       </p:sp>
       <p:sp>
         <p:nvSpPr>
-          <p:cNvPr id="139" name="Google Shape;139;g1404fc3ce99_0_85:notes"/>
+          <p:cNvPr id="139" name="Google Shape;139;g1404fc3ce99_0_80:notes"/>
           <p:cNvSpPr txBox="1"/>
           <p:nvPr>
             <p:ph idx="1" type="body"/>
@@ -1438,7 +1439,7 @@
       </p:grpSpPr>
       <p:sp>
         <p:nvSpPr>
-          <p:cNvPr id="144" name="Google Shape;144;g1404fc3ce99_0_92:notes"/>
+          <p:cNvPr id="144" name="Google Shape;144;g1404fc3ce99_0_85:notes"/>
           <p:cNvSpPr/>
           <p:nvPr>
             <p:ph idx="2" type="sldImg"/>
@@ -1473,7 +1474,7 @@
       </p:sp>
       <p:sp>
         <p:nvSpPr>
-          <p:cNvPr id="145" name="Google Shape;145;g1404fc3ce99_0_92:notes"/>
+          <p:cNvPr id="145" name="Google Shape;145;g1404fc3ce99_0_85:notes"/>
           <p:cNvSpPr txBox="1"/>
           <p:nvPr>
             <p:ph idx="1" type="body"/>
@@ -1537,7 +1538,7 @@
       </p:grpSpPr>
       <p:sp>
         <p:nvSpPr>
-          <p:cNvPr id="150" name="Google Shape;150;g144f5ac198a_0_10:notes"/>
+          <p:cNvPr id="150" name="Google Shape;150;g1404fc3ce99_0_92:notes"/>
           <p:cNvSpPr/>
           <p:nvPr>
             <p:ph idx="2" type="sldImg"/>
@@ -1572,7 +1573,7 @@
       </p:sp>
       <p:sp>
         <p:nvSpPr>
-          <p:cNvPr id="151" name="Google Shape;151;g144f5ac198a_0_10:notes"/>
+          <p:cNvPr id="151" name="Google Shape;151;g1404fc3ce99_0_92:notes"/>
           <p:cNvSpPr txBox="1"/>
           <p:nvPr>
             <p:ph idx="1" type="body"/>
@@ -1636,7 +1637,7 @@
       </p:grpSpPr>
       <p:sp>
         <p:nvSpPr>
-          <p:cNvPr id="156" name="Google Shape;156;g1404fc3ce99_0_122:notes"/>
+          <p:cNvPr id="156" name="Google Shape;156;g144f5ac198a_0_10:notes"/>
           <p:cNvSpPr/>
           <p:nvPr>
             <p:ph idx="2" type="sldImg"/>
@@ -1671,7 +1672,106 @@
       </p:sp>
       <p:sp>
         <p:nvSpPr>
-          <p:cNvPr id="157" name="Google Shape;157;g1404fc3ce99_0_122:notes"/>
+          <p:cNvPr id="157" name="Google Shape;157;g144f5ac198a_0_10:notes"/>
+          <p:cNvSpPr txBox="1"/>
+          <p:nvPr>
+            <p:ph idx="1" type="body"/>
+          </p:nvPr>
+        </p:nvSpPr>
+        <p:spPr>
+          <a:xfrm>
+            <a:off x="685800" y="4343400"/>
+            <a:ext cx="5486400" cy="4114800"/>
+          </a:xfrm>
+          <a:prstGeom prst="rect">
+            <a:avLst/>
+          </a:prstGeom>
+        </p:spPr>
+        <p:txBody>
+          <a:bodyPr anchorCtr="0" anchor="t" bIns="91425" lIns="91425" spcFirstLastPara="1" rIns="91425" wrap="square" tIns="91425">
+            <a:noAutofit/>
+          </a:bodyPr>
+          <a:lstStyle/>
+          <a:p>
+            <a:pPr indent="0" lvl="0" marL="0" rtl="0" algn="l">
+              <a:spcBef>
+                <a:spcPts val="0"/>
+              </a:spcBef>
+              <a:spcAft>
+                <a:spcPts val="0"/>
+              </a:spcAft>
+              <a:buNone/>
+            </a:pPr>
+            <a:r>
+              <a:t/>
+            </a:r>
+            <a:endParaRPr/>
+          </a:p>
+        </p:txBody>
+      </p:sp>
+    </p:spTree>
+  </p:cSld>
+  <p:clrMapOvr>
+    <a:masterClrMapping/>
+  </p:clrMapOvr>
+</p:notes>
+</file>
+
+<file path=ppt/notesSlides/notesSlide19.xml><?xml version="1.0" encoding="utf-8"?>
+<p:notes xmlns:a="http://schemas.openxmlformats.org/drawingml/2006/main" xmlns:r="http://schemas.openxmlformats.org/officeDocument/2006/relationships" xmlns:mc="http://schemas.openxmlformats.org/markup-compatibility/2006" xmlns:mv="urn:schemas-microsoft-com:mac:vml" xmlns:p="http://schemas.openxmlformats.org/presentationml/2006/main" xmlns:c="http://schemas.openxmlformats.org/drawingml/2006/chart" xmlns:dgm="http://schemas.openxmlformats.org/drawingml/2006/diagram" xmlns:o="urn:schemas-microsoft-com:office:office" xmlns:v="urn:schemas-microsoft-com:vml" xmlns:pvml="urn:schemas-microsoft-com:office:powerpoint" xmlns:com="http://schemas.openxmlformats.org/drawingml/2006/compatibility" xmlns:p14="http://schemas.microsoft.com/office/powerpoint/2010/main" xmlns:p15="http://schemas.microsoft.com/office/powerpoint/2012/main" xmlns:ahyp="http://schemas.microsoft.com/office/drawing/2018/hyperlinkcolor" showMasterPhAnim="0" showMasterSp="0">
+  <p:cSld>
+    <p:spTree>
+      <p:nvGrpSpPr>
+        <p:cNvPr id="161" name="Shape 161"/>
+        <p:cNvGrpSpPr/>
+        <p:nvPr/>
+      </p:nvGrpSpPr>
+      <p:grpSpPr>
+        <a:xfrm>
+          <a:off x="0" y="0"/>
+          <a:ext cx="0" cy="0"/>
+          <a:chOff x="0" y="0"/>
+          <a:chExt cx="0" cy="0"/>
+        </a:xfrm>
+      </p:grpSpPr>
+      <p:sp>
+        <p:nvSpPr>
+          <p:cNvPr id="162" name="Google Shape;162;g1404fc3ce99_0_122:notes"/>
+          <p:cNvSpPr/>
+          <p:nvPr>
+            <p:ph idx="2" type="sldImg"/>
+          </p:nvPr>
+        </p:nvSpPr>
+        <p:spPr>
+          <a:xfrm>
+            <a:off x="381300" y="685800"/>
+            <a:ext cx="6096000" cy="3429000"/>
+          </a:xfrm>
+          <a:custGeom>
+            <a:rect b="b" l="l" r="r" t="t"/>
+            <a:pathLst>
+              <a:path extrusionOk="0" h="120000" w="120000">
+                <a:moveTo>
+                  <a:pt x="0" y="0"/>
+                </a:moveTo>
+                <a:lnTo>
+                  <a:pt x="120000" y="0"/>
+                </a:lnTo>
+                <a:lnTo>
+                  <a:pt x="120000" y="120000"/>
+                </a:lnTo>
+                <a:lnTo>
+                  <a:pt x="0" y="120000"/>
+                </a:lnTo>
+                <a:close/>
+              </a:path>
+            </a:pathLst>
+          </a:custGeom>
+        </p:spPr>
+      </p:sp>
+      <p:sp>
+        <p:nvSpPr>
+          <p:cNvPr id="163" name="Google Shape;163;g1404fc3ce99_0_122:notes"/>
           <p:cNvSpPr txBox="1"/>
           <p:nvPr>
             <p:ph idx="1" type="body"/>
@@ -8497,6 +8597,23 @@
             </a:r>
             <a:endParaRPr/>
           </a:p>
+          <a:p>
+            <a:pPr indent="-342900" lvl="0" marL="457200" rtl="0" algn="l">
+              <a:spcBef>
+                <a:spcPts val="0"/>
+              </a:spcBef>
+              <a:spcAft>
+                <a:spcPts val="0"/>
+              </a:spcAft>
+              <a:buSzPts val="1800"/>
+              <a:buChar char="-"/>
+            </a:pPr>
+            <a:r>
+              <a:rPr lang="fr"/>
+              <a:t>oneHotEncoder variable  LargestPropertyUseType   1=LargestPropertyUseTypeGFA</a:t>
+            </a:r>
+            <a:endParaRPr/>
+          </a:p>
         </p:txBody>
       </p:sp>
     </p:spTree>
@@ -8534,8 +8651,8 @@
         </p:nvSpPr>
         <p:spPr>
           <a:xfrm>
-            <a:off x="311700" y="60375"/>
-            <a:ext cx="8520600" cy="410400"/>
+            <a:off x="311700" y="391350"/>
+            <a:ext cx="8520600" cy="626100"/>
           </a:xfrm>
           <a:prstGeom prst="rect">
             <a:avLst/>
@@ -8554,14 +8671,32 @@
               <a:spcAft>
                 <a:spcPts val="0"/>
               </a:spcAft>
-              <a:buSzPct val="58928"/>
               <a:buNone/>
             </a:pPr>
             <a:r>
-              <a:rPr lang="fr" sz="1679"/>
-              <a:t>3 -Prédiction emission CO2</a:t>
+              <a:rPr lang="fr"/>
+              <a:t>2-</a:t>
             </a:r>
-            <a:endParaRPr sz="1679"/>
+            <a:r>
+              <a:rPr lang="fr" sz="1644"/>
+              <a:t>Prétraitements de données: ACP reduction dimensionnelle 36 variables</a:t>
+            </a:r>
+            <a:endParaRPr/>
+          </a:p>
+          <a:p>
+            <a:pPr indent="0" lvl="0" marL="0" rtl="0" algn="l">
+              <a:spcBef>
+                <a:spcPts val="0"/>
+              </a:spcBef>
+              <a:spcAft>
+                <a:spcPts val="0"/>
+              </a:spcAft>
+              <a:buNone/>
+            </a:pPr>
+            <a:r>
+              <a:t/>
+            </a:r>
+            <a:endParaRPr/>
           </a:p>
         </p:txBody>
       </p:sp>
@@ -8581,8 +8716,8 @@
         </p:blipFill>
         <p:spPr>
           <a:xfrm>
-            <a:off x="152400" y="543325"/>
-            <a:ext cx="8991601" cy="4447775"/>
+            <a:off x="152400" y="953850"/>
+            <a:ext cx="8915125" cy="4037249"/>
           </a:xfrm>
           <a:prstGeom prst="rect">
             <a:avLst/>
@@ -8628,8 +8763,8 @@
         </p:nvSpPr>
         <p:spPr>
           <a:xfrm>
-            <a:off x="311700" y="84525"/>
-            <a:ext cx="8520600" cy="422700"/>
+            <a:off x="311700" y="60375"/>
+            <a:ext cx="8520600" cy="410400"/>
           </a:xfrm>
           <a:prstGeom prst="rect">
             <a:avLst/>
@@ -8648,33 +8783,14 @@
               <a:spcAft>
                 <a:spcPts val="0"/>
               </a:spcAft>
-              <a:buClr>
-                <a:srgbClr val="000000"/>
-              </a:buClr>
               <a:buSzPct val="58928"/>
-              <a:buFont typeface="Arial"/>
               <a:buNone/>
             </a:pPr>
             <a:r>
               <a:rPr lang="fr" sz="1679"/>
-              <a:t>3 -Prédiction emission CO2: sans energystarscore</a:t>
+              <a:t>3 -Prédiction emission CO2</a:t>
             </a:r>
             <a:endParaRPr sz="1679"/>
-          </a:p>
-          <a:p>
-            <a:pPr indent="0" lvl="0" marL="0" rtl="0" algn="l">
-              <a:spcBef>
-                <a:spcPts val="0"/>
-              </a:spcBef>
-              <a:spcAft>
-                <a:spcPts val="0"/>
-              </a:spcAft>
-              <a:buNone/>
-            </a:pPr>
-            <a:r>
-              <a:t/>
-            </a:r>
-            <a:endParaRPr/>
           </a:p>
         </p:txBody>
       </p:sp>
@@ -8694,8 +8810,8 @@
         </p:blipFill>
         <p:spPr>
           <a:xfrm>
-            <a:off x="152400" y="659625"/>
-            <a:ext cx="8842700" cy="3856025"/>
+            <a:off x="152400" y="543325"/>
+            <a:ext cx="8991601" cy="4447775"/>
           </a:xfrm>
           <a:prstGeom prst="rect">
             <a:avLst/>
@@ -8741,8 +8857,8 @@
         </p:nvSpPr>
         <p:spPr>
           <a:xfrm>
-            <a:off x="311700" y="72450"/>
-            <a:ext cx="8520600" cy="374400"/>
+            <a:off x="311700" y="84525"/>
+            <a:ext cx="8520600" cy="422700"/>
           </a:xfrm>
           <a:prstGeom prst="rect">
             <a:avLst/>
@@ -8770,24 +8886,9 @@
             </a:pPr>
             <a:r>
               <a:rPr lang="fr" sz="1679"/>
-              <a:t>3 -Prédiction emission CO2: avec energystarscore</a:t>
+              <a:t>3 -Prédiction emission CO2: sans energystarscore</a:t>
             </a:r>
             <a:endParaRPr sz="1679"/>
-          </a:p>
-          <a:p>
-            <a:pPr indent="0" lvl="0" marL="0" rtl="0" algn="l">
-              <a:spcBef>
-                <a:spcPts val="0"/>
-              </a:spcBef>
-              <a:spcAft>
-                <a:spcPts val="0"/>
-              </a:spcAft>
-              <a:buNone/>
-            </a:pPr>
-            <a:r>
-              <a:t/>
-            </a:r>
-            <a:endParaRPr/>
           </a:p>
           <a:p>
             <a:pPr indent="0" lvl="0" marL="0" rtl="0" algn="l">
@@ -8822,8 +8923,8 @@
         </p:blipFill>
         <p:spPr>
           <a:xfrm>
-            <a:off x="152400" y="599250"/>
-            <a:ext cx="8878900" cy="3191975"/>
+            <a:off x="152400" y="659625"/>
+            <a:ext cx="8794400" cy="3312700"/>
           </a:xfrm>
           <a:prstGeom prst="rect">
             <a:avLst/>
@@ -8870,7 +8971,7 @@
         <p:spPr>
           <a:xfrm>
             <a:off x="311700" y="72450"/>
-            <a:ext cx="8520600" cy="483000"/>
+            <a:ext cx="8520600" cy="374400"/>
           </a:xfrm>
           <a:prstGeom prst="rect">
             <a:avLst/>
@@ -8889,11 +8990,16 @@
               <a:spcAft>
                 <a:spcPts val="0"/>
               </a:spcAft>
+              <a:buClr>
+                <a:srgbClr val="000000"/>
+              </a:buClr>
+              <a:buSzPct val="58928"/>
+              <a:buFont typeface="Arial"/>
               <a:buNone/>
             </a:pPr>
             <a:r>
               <a:rPr lang="fr" sz="1679"/>
-              <a:t>3 -Prédiction emission CO2: conclusion </a:t>
+              <a:t>3 -Prédiction emission CO2: avec energystarscore</a:t>
             </a:r>
             <a:endParaRPr sz="1679"/>
           </a:p>
@@ -8910,7 +9016,7 @@
             <a:r>
               <a:t/>
             </a:r>
-            <a:endParaRPr sz="1679"/>
+            <a:endParaRPr/>
           </a:p>
           <a:p>
             <a:pPr indent="0" lvl="0" marL="0" rtl="0" algn="l">
@@ -8923,16 +9029,7 @@
               <a:buNone/>
             </a:pPr>
             <a:r>
-              <a:rPr b="0" lang="fr" sz="1800">
-                <a:solidFill>
-                  <a:schemeClr val="dk2"/>
-                </a:solidFill>
-                <a:latin typeface="Lato"/>
-                <a:ea typeface="Lato"/>
-                <a:cs typeface="Lato"/>
-                <a:sym typeface="Lato"/>
-              </a:rPr>
-              <a:t>lasso R2=0.48  alpha=0.05 , energystarscore moindre</a:t>
+              <a:t/>
             </a:r>
             <a:endParaRPr/>
           </a:p>
@@ -8954,8 +9051,8 @@
         </p:blipFill>
         <p:spPr>
           <a:xfrm>
-            <a:off x="152400" y="1340200"/>
-            <a:ext cx="8839201" cy="2970200"/>
+            <a:off x="152400" y="599250"/>
+            <a:ext cx="8226924" cy="3095375"/>
           </a:xfrm>
           <a:prstGeom prst="rect">
             <a:avLst/>
@@ -9001,8 +9098,8 @@
         </p:nvSpPr>
         <p:spPr>
           <a:xfrm>
-            <a:off x="311700" y="48300"/>
-            <a:ext cx="8520600" cy="446700"/>
+            <a:off x="311700" y="72450"/>
+            <a:ext cx="8520600" cy="483000"/>
           </a:xfrm>
           <a:prstGeom prst="rect">
             <a:avLst/>
@@ -9021,14 +9118,52 @@
               <a:spcAft>
                 <a:spcPts val="0"/>
               </a:spcAft>
-              <a:buSzPct val="50000"/>
               <a:buNone/>
             </a:pPr>
             <a:r>
-              <a:rPr lang="fr" sz="1979"/>
-              <a:t>4 -Prédiction consommation énergie</a:t>
+              <a:rPr lang="fr" sz="1679"/>
+              <a:t>3 -Prédiction emission CO2: conclusion </a:t>
             </a:r>
-            <a:endParaRPr sz="1979"/>
+            <a:endParaRPr sz="1679"/>
+          </a:p>
+          <a:p>
+            <a:pPr indent="0" lvl="0" marL="0" rtl="0" algn="l">
+              <a:spcBef>
+                <a:spcPts val="0"/>
+              </a:spcBef>
+              <a:spcAft>
+                <a:spcPts val="0"/>
+              </a:spcAft>
+              <a:buNone/>
+            </a:pPr>
+            <a:r>
+              <a:t/>
+            </a:r>
+            <a:endParaRPr sz="1679"/>
+          </a:p>
+          <a:p>
+            <a:pPr indent="0" lvl="0" marL="0" rtl="0" algn="l">
+              <a:spcBef>
+                <a:spcPts val="0"/>
+              </a:spcBef>
+              <a:spcAft>
+                <a:spcPts val="0"/>
+              </a:spcAft>
+              <a:buNone/>
+            </a:pPr>
+            <a:r>
+              <a:rPr b="0" lang="fr" sz="1800">
+                <a:solidFill>
+                  <a:schemeClr val="dk2"/>
+                </a:solidFill>
+                <a:latin typeface="Lato"/>
+                <a:ea typeface="Lato"/>
+                <a:cs typeface="Lato"/>
+                <a:sym typeface="Lato"/>
+              </a:rPr>
+              <a:t>RandomForestRegressor , energystarscore moindre</a:t>
+            </a:r>
+            <a:endParaRPr/>
           </a:p>
         </p:txBody>
       </p:sp>
@@ -9048,8 +9183,8 @@
         </p:blipFill>
         <p:spPr>
           <a:xfrm>
-            <a:off x="152400" y="647400"/>
-            <a:ext cx="8679900" cy="4343700"/>
+            <a:off x="152400" y="869325"/>
+            <a:ext cx="8915124" cy="3634250"/>
           </a:xfrm>
           <a:prstGeom prst="rect">
             <a:avLst/>
@@ -9095,8 +9230,8 @@
         </p:nvSpPr>
         <p:spPr>
           <a:xfrm>
-            <a:off x="311700" y="60375"/>
-            <a:ext cx="8520600" cy="471000"/>
+            <a:off x="311700" y="48300"/>
+            <a:ext cx="8520600" cy="446700"/>
           </a:xfrm>
           <a:prstGeom prst="rect">
             <a:avLst/>
@@ -9115,11 +9250,7 @@
               <a:spcAft>
                 <a:spcPts val="0"/>
               </a:spcAft>
-              <a:buClr>
-                <a:srgbClr val="000000"/>
-              </a:buClr>
               <a:buSzPct val="50000"/>
-              <a:buFont typeface="Arial"/>
               <a:buNone/>
             </a:pPr>
             <a:r>
@@ -9127,21 +9258,6 @@
               <a:t>4 -Prédiction consommation énergie</a:t>
             </a:r>
             <a:endParaRPr sz="1979"/>
-          </a:p>
-          <a:p>
-            <a:pPr indent="0" lvl="0" marL="0" rtl="0" algn="l">
-              <a:spcBef>
-                <a:spcPts val="0"/>
-              </a:spcBef>
-              <a:spcAft>
-                <a:spcPts val="0"/>
-              </a:spcAft>
-              <a:buNone/>
-            </a:pPr>
-            <a:r>
-              <a:t/>
-            </a:r>
-            <a:endParaRPr/>
           </a:p>
         </p:txBody>
       </p:sp>
@@ -9161,8 +9277,8 @@
         </p:blipFill>
         <p:spPr>
           <a:xfrm>
-            <a:off x="152400" y="683775"/>
-            <a:ext cx="8679899" cy="2769375"/>
+            <a:off x="152400" y="647400"/>
+            <a:ext cx="8679900" cy="4343700"/>
           </a:xfrm>
           <a:prstGeom prst="rect">
             <a:avLst/>
@@ -9208,7 +9324,7 @@
         </p:nvSpPr>
         <p:spPr>
           <a:xfrm>
-            <a:off x="311700" y="96600"/>
+            <a:off x="311700" y="60375"/>
             <a:ext cx="8520600" cy="471000"/>
           </a:xfrm>
           <a:prstGeom prst="rect">
@@ -9228,11 +9344,16 @@
               <a:spcAft>
                 <a:spcPts val="0"/>
               </a:spcAft>
+              <a:buClr>
+                <a:srgbClr val="000000"/>
+              </a:buClr>
+              <a:buSzPct val="50000"/>
+              <a:buFont typeface="Arial"/>
               <a:buNone/>
             </a:pPr>
             <a:r>
               <a:rPr lang="fr" sz="1979"/>
-              <a:t>4 -Prédiction consommation énergie: conclusion</a:t>
+              <a:t>4 -Prédiction consommation énergie</a:t>
             </a:r>
             <a:endParaRPr sz="1979"/>
           </a:p>
@@ -9244,26 +9365,12 @@
               <a:spcAft>
                 <a:spcPts val="0"/>
               </a:spcAft>
-              <a:buClr>
-                <a:srgbClr val="000000"/>
-              </a:buClr>
-              <a:buSzPct val="50000"/>
-              <a:buFont typeface="Arial"/>
               <a:buNone/>
             </a:pPr>
             <a:r>
-              <a:rPr lang="fr" sz="1979">
-                <a:solidFill>
-                  <a:schemeClr val="accent1"/>
-                </a:solidFill>
-              </a:rPr>
-              <a:t> LinearRegression</a:t>
+              <a:t/>
             </a:r>
-            <a:endParaRPr sz="1979">
-              <a:solidFill>
-                <a:schemeClr val="accent1"/>
-              </a:solidFill>
-            </a:endParaRPr>
+            <a:endParaRPr/>
           </a:p>
         </p:txBody>
       </p:sp>
@@ -9283,8 +9390,8 @@
         </p:blipFill>
         <p:spPr>
           <a:xfrm>
-            <a:off x="152400" y="720000"/>
-            <a:ext cx="8839201" cy="3517950"/>
+            <a:off x="152400" y="683775"/>
+            <a:ext cx="8432174" cy="2878050"/>
           </a:xfrm>
           <a:prstGeom prst="rect">
             <a:avLst/>
@@ -9330,6 +9437,128 @@
         </p:nvSpPr>
         <p:spPr>
           <a:xfrm>
+            <a:off x="311700" y="96600"/>
+            <a:ext cx="8520600" cy="471000"/>
+          </a:xfrm>
+          <a:prstGeom prst="rect">
+            <a:avLst/>
+          </a:prstGeom>
+        </p:spPr>
+        <p:txBody>
+          <a:bodyPr anchorCtr="0" anchor="t" bIns="91425" lIns="91425" spcFirstLastPara="1" rIns="91425" wrap="square" tIns="91425">
+            <a:normAutofit fontScale="90000"/>
+          </a:bodyPr>
+          <a:lstStyle/>
+          <a:p>
+            <a:pPr indent="0" lvl="0" marL="0" rtl="0" algn="l">
+              <a:spcBef>
+                <a:spcPts val="0"/>
+              </a:spcBef>
+              <a:spcAft>
+                <a:spcPts val="0"/>
+              </a:spcAft>
+              <a:buNone/>
+            </a:pPr>
+            <a:r>
+              <a:rPr lang="fr" sz="1979"/>
+              <a:t>4 -Prédiction consommation énergie: conclusion</a:t>
+            </a:r>
+            <a:endParaRPr sz="1979"/>
+          </a:p>
+          <a:p>
+            <a:pPr indent="0" lvl="0" marL="0" rtl="0" algn="l">
+              <a:spcBef>
+                <a:spcPts val="0"/>
+              </a:spcBef>
+              <a:spcAft>
+                <a:spcPts val="0"/>
+              </a:spcAft>
+              <a:buClr>
+                <a:srgbClr val="000000"/>
+              </a:buClr>
+              <a:buSzPct val="50000"/>
+              <a:buFont typeface="Arial"/>
+              <a:buNone/>
+            </a:pPr>
+            <a:r>
+              <a:rPr lang="fr" sz="1979">
+                <a:solidFill>
+                  <a:schemeClr val="accent1"/>
+                </a:solidFill>
+              </a:rPr>
+              <a:t>RandomForestRegressor</a:t>
+            </a:r>
+            <a:endParaRPr sz="1979">
+              <a:solidFill>
+                <a:schemeClr val="accent1"/>
+              </a:solidFill>
+            </a:endParaRPr>
+          </a:p>
+        </p:txBody>
+      </p:sp>
+      <p:pic>
+        <p:nvPicPr>
+          <p:cNvPr id="160" name="Google Shape;160;p30"/>
+          <p:cNvPicPr preferRelativeResize="0"/>
+          <p:nvPr/>
+        </p:nvPicPr>
+        <p:blipFill>
+          <a:blip r:embed="rId3">
+            <a:alphaModFix/>
+          </a:blip>
+          <a:stretch>
+            <a:fillRect/>
+          </a:stretch>
+        </p:blipFill>
+        <p:spPr>
+          <a:xfrm>
+            <a:off x="55800" y="1054250"/>
+            <a:ext cx="8839201" cy="3035000"/>
+          </a:xfrm>
+          <a:prstGeom prst="rect">
+            <a:avLst/>
+          </a:prstGeom>
+          <a:noFill/>
+          <a:ln>
+            <a:noFill/>
+          </a:ln>
+        </p:spPr>
+      </p:pic>
+    </p:spTree>
+  </p:cSld>
+  <p:clrMapOvr>
+    <a:masterClrMapping/>
+  </p:clrMapOvr>
+</p:sld>
+</file>
+
+<file path=ppt/slides/slide19.xml><?xml version="1.0" encoding="utf-8"?>
+<p:sld xmlns:a="http://schemas.openxmlformats.org/drawingml/2006/main" xmlns:r="http://schemas.openxmlformats.org/officeDocument/2006/relationships" xmlns:mc="http://schemas.openxmlformats.org/markup-compatibility/2006" xmlns:mv="urn:schemas-microsoft-com:mac:vml" xmlns:p="http://schemas.openxmlformats.org/presentationml/2006/main" xmlns:c="http://schemas.openxmlformats.org/drawingml/2006/chart" xmlns:dgm="http://schemas.openxmlformats.org/drawingml/2006/diagram" xmlns:o="urn:schemas-microsoft-com:office:office" xmlns:v="urn:schemas-microsoft-com:vml" xmlns:pvml="urn:schemas-microsoft-com:office:powerpoint" xmlns:com="http://schemas.openxmlformats.org/drawingml/2006/compatibility" xmlns:p14="http://schemas.microsoft.com/office/powerpoint/2010/main" xmlns:p15="http://schemas.microsoft.com/office/powerpoint/2012/main" xmlns:ahyp="http://schemas.microsoft.com/office/drawing/2018/hyperlinkcolor">
+  <p:cSld>
+    <p:spTree>
+      <p:nvGrpSpPr>
+        <p:cNvPr id="164" name="Shape 164"/>
+        <p:cNvGrpSpPr/>
+        <p:nvPr/>
+      </p:nvGrpSpPr>
+      <p:grpSpPr>
+        <a:xfrm>
+          <a:off x="0" y="0"/>
+          <a:ext cx="0" cy="0"/>
+          <a:chOff x="0" y="0"/>
+          <a:chExt cx="0" cy="0"/>
+        </a:xfrm>
+      </p:grpSpPr>
+      <p:sp>
+        <p:nvSpPr>
+          <p:cNvPr id="165" name="Google Shape;165;p31"/>
+          <p:cNvSpPr txBox="1"/>
+          <p:nvPr>
+            <p:ph type="title"/>
+          </p:nvPr>
+        </p:nvSpPr>
+        <p:spPr>
+          <a:xfrm>
             <a:off x="311700" y="391350"/>
             <a:ext cx="8520600" cy="626100"/>
           </a:xfrm>
@@ -9362,7 +9591,7 @@
       </p:sp>
       <p:sp>
         <p:nvSpPr>
-          <p:cNvPr id="160" name="Google Shape;160;p30"/>
+          <p:cNvPr id="166" name="Google Shape;166;p31"/>
           <p:cNvSpPr txBox="1"/>
           <p:nvPr>
             <p:ph idx="1" type="body"/>
@@ -9394,7 +9623,11 @@
             </a:pPr>
             <a:r>
               <a:rPr lang="fr"/>
-              <a:t>R2=50% prédiction consommation energie regression linéaire simple</a:t>
+              <a:t>R2=53% prédiction consommation energie </a:t>
+            </a:r>
+            <a:r>
+              <a:rPr lang="fr"/>
+              <a:t>RandomForestRegressor</a:t>
             </a:r>
             <a:endParaRPr/>
           </a:p>
@@ -9410,7 +9643,7 @@
             </a:pPr>
             <a:r>
               <a:rPr lang="fr"/>
-              <a:t>R2=48% émission Co2, energystarscore peu d’effet: Lasso alpha=0.105</a:t>
+              <a:t>R2=50% émission Co2, energystarscore peu d’effet:RandomForestRegressor</a:t>
             </a:r>
             <a:endParaRPr/>
           </a:p>
@@ -10617,6 +10850,285 @@
 </file>
 
 <file path=ppt/theme/theme1.xml><?xml version="1.0" encoding="utf-8"?>
+<a:theme xmlns:a="http://schemas.openxmlformats.org/drawingml/2006/main" xmlns:r="http://schemas.openxmlformats.org/officeDocument/2006/relationships">
+  <a:themeElements>
+    <a:clrScheme name="Default">
+      <a:dk1>
+        <a:srgbClr val="000000"/>
+      </a:dk1>
+      <a:lt1>
+        <a:srgbClr val="FFFFFF"/>
+      </a:lt1>
+      <a:dk2>
+        <a:srgbClr val="158158"/>
+      </a:dk2>
+      <a:lt2>
+        <a:srgbClr val="F3F3F3"/>
+      </a:lt2>
+      <a:accent1>
+        <a:srgbClr val="058DC7"/>
+      </a:accent1>
+      <a:accent2>
+        <a:srgbClr val="50B432"/>
+      </a:accent2>
+      <a:accent3>
+        <a:srgbClr val="ED561B"/>
+      </a:accent3>
+      <a:accent4>
+        <a:srgbClr val="EDEF00"/>
+      </a:accent4>
+      <a:accent5>
+        <a:srgbClr val="24CBE5"/>
+      </a:accent5>
+      <a:accent6>
+        <a:srgbClr val="64E572"/>
+      </a:accent6>
+      <a:hlink>
+        <a:srgbClr val="2200CC"/>
+      </a:hlink>
+      <a:folHlink>
+        <a:srgbClr val="551A8B"/>
+      </a:folHlink>
+    </a:clrScheme>
+    <a:fontScheme name="Office">
+      <a:majorFont>
+        <a:latin typeface="Arial"/>
+        <a:ea typeface=""/>
+        <a:cs typeface=""/>
+        <a:font script="Jpan" typeface="ＭＳ Ｐゴシック"/>
+        <a:font script="Hang" typeface="맑은 고딕"/>
+        <a:font script="Hans" typeface="宋体"/>
+        <a:font script="Hant" typeface="新細明體"/>
+        <a:font script="Arab" typeface="Times New Roman"/>
+        <a:font script="Hebr" typeface="Times New Roman"/>
+        <a:font script="Thai" typeface="Angsana New"/>
+        <a:font script="Ethi" typeface="Nyala"/>
+        <a:font script="Beng" typeface="Vrinda"/>
+        <a:font script="Gujr" typeface="Shruti"/>
+        <a:font script="Khmr" typeface="MoolBoran"/>
+        <a:font script="Knda" typeface="Tunga"/>
+        <a:font script="Guru" typeface="Raavi"/>
+        <a:font script="Cans" typeface="Euphemia"/>
+        <a:font script="Cher" typeface="Plantagenet Cherokee"/>
+        <a:font script="Yiii" typeface="Microsoft Yi Baiti"/>
+        <a:font script="Tibt" typeface="Microsoft Himalaya"/>
+        <a:font script="Thaa" typeface="MV Boli"/>
+        <a:font script="Deva" typeface="Mangal"/>
+        <a:font script="Telu" typeface="Gautami"/>
+        <a:font script="Taml" typeface="Latha"/>
+        <a:font script="Syrc" typeface="Estrangelo Edessa"/>
+        <a:font script="Orya" typeface="Kalinga"/>
+        <a:font script="Mlym" typeface="Kartika"/>
+        <a:font script="Laoo" typeface="DokChampa"/>
+        <a:font script="Sinh" typeface="Iskoola Pota"/>
+        <a:font script="Mong" typeface="Mongolian Baiti"/>
+        <a:font script="Viet" typeface="Times New Roman"/>
+        <a:font script="Uigh" typeface="Microsoft Uighur"/>
+        <a:font script="Geor" typeface="Sylfaen"/>
+      </a:majorFont>
+      <a:minorFont>
+        <a:latin typeface="Arial"/>
+        <a:ea typeface=""/>
+        <a:cs typeface=""/>
+        <a:font script="Jpan" typeface="ＭＳ Ｐゴシック"/>
+        <a:font script="Hang" typeface="맑은 고딕"/>
+        <a:font script="Hans" typeface="宋体"/>
+        <a:font script="Hant" typeface="新細明體"/>
+        <a:font script="Arab" typeface="Arial"/>
+        <a:font script="Hebr" typeface="Arial"/>
+        <a:font script="Thai" typeface="Cordia New"/>
+        <a:font script="Ethi" typeface="Nyala"/>
+        <a:font script="Beng" typeface="Vrinda"/>
+        <a:font script="Gujr" typeface="Shruti"/>
+        <a:font script="Khmr" typeface="DaunPenh"/>
+        <a:font script="Knda" typeface="Tunga"/>
+        <a:font script="Guru" typeface="Raavi"/>
+        <a:font script="Cans" typeface="Euphemia"/>
+        <a:font script="Cher" typeface="Plantagenet Cherokee"/>
+        <a:font script="Yiii" typeface="Microsoft Yi Baiti"/>
+        <a:font script="Tibt" typeface="Microsoft Himalaya"/>
+        <a:font script="Thaa" typeface="MV Boli"/>
+        <a:font script="Deva" typeface="Mangal"/>
+        <a:font script="Telu" typeface="Gautami"/>
+        <a:font script="Taml" typeface="Latha"/>
+        <a:font script="Syrc" typeface="Estrangelo Edessa"/>
+        <a:font script="Orya" typeface="Kalinga"/>
+        <a:font script="Mlym" typeface="Kartika"/>
+        <a:font script="Laoo" typeface="DokChampa"/>
+        <a:font script="Sinh" typeface="Iskoola Pota"/>
+        <a:font script="Mong" typeface="Mongolian Baiti"/>
+        <a:font script="Viet" typeface="Arial"/>
+        <a:font script="Uigh" typeface="Microsoft Uighur"/>
+        <a:font script="Geor" typeface="Sylfaen"/>
+      </a:minorFont>
+    </a:fontScheme>
+    <a:fmtScheme name="Office">
+      <a:fillStyleLst>
+        <a:solidFill>
+          <a:schemeClr val="phClr"/>
+        </a:solidFill>
+        <a:gradFill rotWithShape="1">
+          <a:gsLst>
+            <a:gs pos="0">
+              <a:schemeClr val="phClr">
+                <a:tint val="50000"/>
+                <a:satMod val="300000"/>
+              </a:schemeClr>
+            </a:gs>
+            <a:gs pos="35000">
+              <a:schemeClr val="phClr">
+                <a:tint val="37000"/>
+                <a:satMod val="300000"/>
+              </a:schemeClr>
+            </a:gs>
+            <a:gs pos="100000">
+              <a:schemeClr val="phClr">
+                <a:tint val="15000"/>
+                <a:satMod val="350000"/>
+              </a:schemeClr>
+            </a:gs>
+          </a:gsLst>
+          <a:lin ang="16200000" scaled="1"/>
+        </a:gradFill>
+        <a:gradFill rotWithShape="1">
+          <a:gsLst>
+            <a:gs pos="0">
+              <a:schemeClr val="phClr">
+                <a:tint val="100000"/>
+                <a:shade val="100000"/>
+                <a:satMod val="130000"/>
+              </a:schemeClr>
+            </a:gs>
+            <a:gs pos="100000">
+              <a:schemeClr val="phClr">
+                <a:tint val="50000"/>
+                <a:shade val="100000"/>
+                <a:satMod val="350000"/>
+              </a:schemeClr>
+            </a:gs>
+          </a:gsLst>
+          <a:lin ang="16200000" scaled="0"/>
+        </a:gradFill>
+      </a:fillStyleLst>
+      <a:lnStyleLst>
+        <a:ln w="9525" cap="flat" cmpd="sng" algn="ctr">
+          <a:solidFill>
+            <a:schemeClr val="phClr">
+              <a:shade val="95000"/>
+              <a:satMod val="105000"/>
+            </a:schemeClr>
+          </a:solidFill>
+          <a:prstDash val="solid"/>
+        </a:ln>
+        <a:ln w="25400" cap="flat" cmpd="sng" algn="ctr">
+          <a:solidFill>
+            <a:schemeClr val="phClr"/>
+          </a:solidFill>
+          <a:prstDash val="solid"/>
+        </a:ln>
+        <a:ln w="38100" cap="flat" cmpd="sng" algn="ctr">
+          <a:solidFill>
+            <a:schemeClr val="phClr"/>
+          </a:solidFill>
+          <a:prstDash val="solid"/>
+        </a:ln>
+      </a:lnStyleLst>
+      <a:effectStyleLst>
+        <a:effectStyle>
+          <a:effectLst>
+            <a:outerShdw blurRad="40000" dist="20000" dir="5400000" rotWithShape="0">
+              <a:srgbClr val="000000">
+                <a:alpha val="38000"/>
+              </a:srgbClr>
+            </a:outerShdw>
+          </a:effectLst>
+        </a:effectStyle>
+        <a:effectStyle>
+          <a:effectLst>
+            <a:outerShdw blurRad="40000" dist="23000" dir="5400000" rotWithShape="0">
+              <a:srgbClr val="000000">
+                <a:alpha val="35000"/>
+              </a:srgbClr>
+            </a:outerShdw>
+          </a:effectLst>
+        </a:effectStyle>
+        <a:effectStyle>
+          <a:effectLst>
+            <a:outerShdw blurRad="40000" dist="23000" dir="5400000" rotWithShape="0">
+              <a:srgbClr val="000000">
+                <a:alpha val="35000"/>
+              </a:srgbClr>
+            </a:outerShdw>
+          </a:effectLst>
+          <a:scene3d>
+            <a:camera prst="orthographicFront">
+              <a:rot lat="0" lon="0" rev="0"/>
+            </a:camera>
+            <a:lightRig rig="threePt" dir="t">
+              <a:rot lat="0" lon="0" rev="1200000"/>
+            </a:lightRig>
+          </a:scene3d>
+          <a:sp3d>
+            <a:bevelT w="63500" h="25400"/>
+          </a:sp3d>
+        </a:effectStyle>
+      </a:effectStyleLst>
+      <a:bgFillStyleLst>
+        <a:solidFill>
+          <a:schemeClr val="phClr"/>
+        </a:solidFill>
+        <a:gradFill rotWithShape="1">
+          <a:gsLst>
+            <a:gs pos="0">
+              <a:schemeClr val="phClr">
+                <a:tint val="40000"/>
+                <a:satMod val="350000"/>
+              </a:schemeClr>
+            </a:gs>
+            <a:gs pos="40000">
+              <a:schemeClr val="phClr">
+                <a:tint val="45000"/>
+                <a:shade val="99000"/>
+                <a:satMod val="350000"/>
+              </a:schemeClr>
+            </a:gs>
+            <a:gs pos="100000">
+              <a:schemeClr val="phClr">
+                <a:shade val="20000"/>
+                <a:satMod val="255000"/>
+              </a:schemeClr>
+            </a:gs>
+          </a:gsLst>
+          <a:path path="circle">
+            <a:fillToRect l="50000" t="-80000" r="50000" b="180000"/>
+          </a:path>
+        </a:gradFill>
+        <a:gradFill rotWithShape="1">
+          <a:gsLst>
+            <a:gs pos="0">
+              <a:schemeClr val="phClr">
+                <a:tint val="80000"/>
+                <a:satMod val="300000"/>
+              </a:schemeClr>
+            </a:gs>
+            <a:gs pos="100000">
+              <a:schemeClr val="phClr">
+                <a:shade val="30000"/>
+                <a:satMod val="200000"/>
+              </a:schemeClr>
+            </a:gs>
+          </a:gsLst>
+          <a:path path="circle">
+            <a:fillToRect l="50000" t="50000" r="50000" b="50000"/>
+          </a:path>
+        </a:gradFill>
+      </a:bgFillStyleLst>
+    </a:fmtScheme>
+  </a:themeElements>
+</a:theme>
+</file>
+
+<file path=ppt/theme/theme2.xml><?xml version="1.0" encoding="utf-8"?>
 <a:theme xmlns:a="http://schemas.openxmlformats.org/drawingml/2006/main" xmlns:r="http://schemas.openxmlformats.org/officeDocument/2006/relationships" name="Coral">
   <a:themeElements>
     <a:clrScheme name="Coral">
@@ -10893,283 +11405,4 @@
     </a:fmtScheme>
   </a:themeElements>
 </a:theme>
-</file>
-
-<file path=ppt/theme/theme2.xml><?xml version="1.0" encoding="utf-8"?>
-<a:theme xmlns:a="http://schemas.openxmlformats.org/drawingml/2006/main" xmlns:r="http://schemas.openxmlformats.org/officeDocument/2006/relationships">
-  <a:themeElements>
-    <a:clrScheme name="Default">
-      <a:dk1>
-        <a:srgbClr val="000000"/>
-      </a:dk1>
-      <a:lt1>
-        <a:srgbClr val="FFFFFF"/>
-      </a:lt1>
-      <a:dk2>
-        <a:srgbClr val="158158"/>
-      </a:dk2>
-      <a:lt2>
-        <a:srgbClr val="F3F3F3"/>
-      </a:lt2>
-      <a:accent1>
-        <a:srgbClr val="058DC7"/>
-      </a:accent1>
-      <a:accent2>
-        <a:srgbClr val="50B432"/>
-      </a:accent2>
-      <a:accent3>
-        <a:srgbClr val="ED561B"/>
-      </a:accent3>
-      <a:accent4>
-        <a:srgbClr val="EDEF00"/>
-      </a:accent4>
-      <a:accent5>
-        <a:srgbClr val="24CBE5"/>
-      </a:accent5>
-      <a:accent6>
-        <a:srgbClr val="64E572"/>
-      </a:accent6>
-      <a:hlink>
-        <a:srgbClr val="2200CC"/>
-      </a:hlink>
-      <a:folHlink>
-        <a:srgbClr val="551A8B"/>
-      </a:folHlink>
-    </a:clrScheme>
-    <a:fontScheme name="Office">
-      <a:majorFont>
-        <a:latin typeface="Arial"/>
-        <a:ea typeface=""/>
-        <a:cs typeface=""/>
-        <a:font script="Jpan" typeface="ＭＳ Ｐゴシック"/>
-        <a:font script="Hang" typeface="맑은 고딕"/>
-        <a:font script="Hans" typeface="宋体"/>
-        <a:font script="Hant" typeface="新細明體"/>
-        <a:font script="Arab" typeface="Times New Roman"/>
-        <a:font script="Hebr" typeface="Times New Roman"/>
-        <a:font script="Thai" typeface="Angsana New"/>
-        <a:font script="Ethi" typeface="Nyala"/>
-        <a:font script="Beng" typeface="Vrinda"/>
-        <a:font script="Gujr" typeface="Shruti"/>
-        <a:font script="Khmr" typeface="MoolBoran"/>
-        <a:font script="Knda" typeface="Tunga"/>
-        <a:font script="Guru" typeface="Raavi"/>
-        <a:font script="Cans" typeface="Euphemia"/>
-        <a:font script="Cher" typeface="Plantagenet Cherokee"/>
-        <a:font script="Yiii" typeface="Microsoft Yi Baiti"/>
-        <a:font script="Tibt" typeface="Microsoft Himalaya"/>
-        <a:font script="Thaa" typeface="MV Boli"/>
-        <a:font script="Deva" typeface="Mangal"/>
-        <a:font script="Telu" typeface="Gautami"/>
-        <a:font script="Taml" typeface="Latha"/>
-        <a:font script="Syrc" typeface="Estrangelo Edessa"/>
-        <a:font script="Orya" typeface="Kalinga"/>
-        <a:font script="Mlym" typeface="Kartika"/>
-        <a:font script="Laoo" typeface="DokChampa"/>
-        <a:font script="Sinh" typeface="Iskoola Pota"/>
-        <a:font script="Mong" typeface="Mongolian Baiti"/>
-        <a:font script="Viet" typeface="Times New Roman"/>
-        <a:font script="Uigh" typeface="Microsoft Uighur"/>
-        <a:font script="Geor" typeface="Sylfaen"/>
-      </a:majorFont>
-      <a:minorFont>
-        <a:latin typeface="Arial"/>
-        <a:ea typeface=""/>
-        <a:cs typeface=""/>
-        <a:font script="Jpan" typeface="ＭＳ Ｐゴシック"/>
-        <a:font script="Hang" typeface="맑은 고딕"/>
-        <a:font script="Hans" typeface="宋体"/>
-        <a:font script="Hant" typeface="新細明體"/>
-        <a:font script="Arab" typeface="Arial"/>
-        <a:font script="Hebr" typeface="Arial"/>
-        <a:font script="Thai" typeface="Cordia New"/>
-        <a:font script="Ethi" typeface="Nyala"/>
-        <a:font script="Beng" typeface="Vrinda"/>
-        <a:font script="Gujr" typeface="Shruti"/>
-        <a:font script="Khmr" typeface="DaunPenh"/>
-        <a:font script="Knda" typeface="Tunga"/>
-        <a:font script="Guru" typeface="Raavi"/>
-        <a:font script="Cans" typeface="Euphemia"/>
-        <a:font script="Cher" typeface="Plantagenet Cherokee"/>
-        <a:font script="Yiii" typeface="Microsoft Yi Baiti"/>
-        <a:font script="Tibt" typeface="Microsoft Himalaya"/>
-        <a:font script="Thaa" typeface="MV Boli"/>
-        <a:font script="Deva" typeface="Mangal"/>
-        <a:font script="Telu" typeface="Gautami"/>
-        <a:font script="Taml" typeface="Latha"/>
-        <a:font script="Syrc" typeface="Estrangelo Edessa"/>
-        <a:font script="Orya" typeface="Kalinga"/>
-        <a:font script="Mlym" typeface="Kartika"/>
-        <a:font script="Laoo" typeface="DokChampa"/>
-        <a:font script="Sinh" typeface="Iskoola Pota"/>
-        <a:font script="Mong" typeface="Mongolian Baiti"/>
-        <a:font script="Viet" typeface="Arial"/>
-        <a:font script="Uigh" typeface="Microsoft Uighur"/>
-        <a:font script="Geor" typeface="Sylfaen"/>
-      </a:minorFont>
-    </a:fontScheme>
-    <a:fmtScheme name="Office">
-      <a:fillStyleLst>
-        <a:solidFill>
-          <a:schemeClr val="phClr"/>
-        </a:solidFill>
-        <a:gradFill rotWithShape="1">
-          <a:gsLst>
-            <a:gs pos="0">
-              <a:schemeClr val="phClr">
-                <a:tint val="50000"/>
-                <a:satMod val="300000"/>
-              </a:schemeClr>
-            </a:gs>
-            <a:gs pos="35000">
-              <a:schemeClr val="phClr">
-                <a:tint val="37000"/>
-                <a:satMod val="300000"/>
-              </a:schemeClr>
-            </a:gs>
-            <a:gs pos="100000">
-              <a:schemeClr val="phClr">
-                <a:tint val="15000"/>
-                <a:satMod val="350000"/>
-              </a:schemeClr>
-            </a:gs>
-          </a:gsLst>
-          <a:lin ang="16200000" scaled="1"/>
-        </a:gradFill>
-        <a:gradFill rotWithShape="1">
-          <a:gsLst>
-            <a:gs pos="0">
-              <a:schemeClr val="phClr">
-                <a:tint val="100000"/>
-                <a:shade val="100000"/>
-                <a:satMod val="130000"/>
-              </a:schemeClr>
-            </a:gs>
-            <a:gs pos="100000">
-              <a:schemeClr val="phClr">
-                <a:tint val="50000"/>
-                <a:shade val="100000"/>
-                <a:satMod val="350000"/>
-              </a:schemeClr>
-            </a:gs>
-          </a:gsLst>
-          <a:lin ang="16200000" scaled="0"/>
-        </a:gradFill>
-      </a:fillStyleLst>
-      <a:lnStyleLst>
-        <a:ln w="9525" cap="flat" cmpd="sng" algn="ctr">
-          <a:solidFill>
-            <a:schemeClr val="phClr">
-              <a:shade val="95000"/>
-              <a:satMod val="105000"/>
-            </a:schemeClr>
-          </a:solidFill>
-          <a:prstDash val="solid"/>
-        </a:ln>
-        <a:ln w="25400" cap="flat" cmpd="sng" algn="ctr">
-          <a:solidFill>
-            <a:schemeClr val="phClr"/>
-          </a:solidFill>
-          <a:prstDash val="solid"/>
-        </a:ln>
-        <a:ln w="38100" cap="flat" cmpd="sng" algn="ctr">
-          <a:solidFill>
-            <a:schemeClr val="phClr"/>
-          </a:solidFill>
-          <a:prstDash val="solid"/>
-        </a:ln>
-      </a:lnStyleLst>
-      <a:effectStyleLst>
-        <a:effectStyle>
-          <a:effectLst>
-            <a:outerShdw blurRad="40000" dist="20000" dir="5400000" rotWithShape="0">
-              <a:srgbClr val="000000">
-                <a:alpha val="38000"/>
-              </a:srgbClr>
-            </a:outerShdw>
-          </a:effectLst>
-        </a:effectStyle>
-        <a:effectStyle>
-          <a:effectLst>
-            <a:outerShdw blurRad="40000" dist="23000" dir="5400000" rotWithShape="0">
-              <a:srgbClr val="000000">
-                <a:alpha val="35000"/>
-              </a:srgbClr>
-            </a:outerShdw>
-          </a:effectLst>
-        </a:effectStyle>
-        <a:effectStyle>
-          <a:effectLst>
-            <a:outerShdw blurRad="40000" dist="23000" dir="5400000" rotWithShape="0">
-              <a:srgbClr val="000000">
-                <a:alpha val="35000"/>
-              </a:srgbClr>
-            </a:outerShdw>
-          </a:effectLst>
-          <a:scene3d>
-            <a:camera prst="orthographicFront">
-              <a:rot lat="0" lon="0" rev="0"/>
-            </a:camera>
-            <a:lightRig rig="threePt" dir="t">
-              <a:rot lat="0" lon="0" rev="1200000"/>
-            </a:lightRig>
-          </a:scene3d>
-          <a:sp3d>
-            <a:bevelT w="63500" h="25400"/>
-          </a:sp3d>
-        </a:effectStyle>
-      </a:effectStyleLst>
-      <a:bgFillStyleLst>
-        <a:solidFill>
-          <a:schemeClr val="phClr"/>
-        </a:solidFill>
-        <a:gradFill rotWithShape="1">
-          <a:gsLst>
-            <a:gs pos="0">
-              <a:schemeClr val="phClr">
-                <a:tint val="40000"/>
-                <a:satMod val="350000"/>
-              </a:schemeClr>
-            </a:gs>
-            <a:gs pos="40000">
-              <a:schemeClr val="phClr">
-                <a:tint val="45000"/>
-                <a:shade val="99000"/>
-                <a:satMod val="350000"/>
-              </a:schemeClr>
-            </a:gs>
-            <a:gs pos="100000">
-              <a:schemeClr val="phClr">
-                <a:shade val="20000"/>
-                <a:satMod val="255000"/>
-              </a:schemeClr>
-            </a:gs>
-          </a:gsLst>
-          <a:path path="circle">
-            <a:fillToRect l="50000" t="-80000" r="50000" b="180000"/>
-          </a:path>
-        </a:gradFill>
-        <a:gradFill rotWithShape="1">
-          <a:gsLst>
-            <a:gs pos="0">
-              <a:schemeClr val="phClr">
-                <a:tint val="80000"/>
-                <a:satMod val="300000"/>
-              </a:schemeClr>
-            </a:gs>
-            <a:gs pos="100000">
-              <a:schemeClr val="phClr">
-                <a:shade val="30000"/>
-                <a:satMod val="200000"/>
-              </a:schemeClr>
-            </a:gs>
-          </a:gsLst>
-          <a:path path="circle">
-            <a:fillToRect l="50000" t="50000" r="50000" b="50000"/>
-          </a:path>
-        </a:gradFill>
-      </a:bgFillStyleLst>
-    </a:fmtScheme>
-  </a:themeElements>
-</a:theme>
 </file>